--- a/figures.pptx
+++ b/figures.pptx
@@ -6,6 +6,8 @@
   </p:sldMasterIdLst>
   <p:sldIdLst>
     <p:sldId id="256" r:id="rId2"/>
+    <p:sldId id="258" r:id="rId3"/>
+    <p:sldId id="257" r:id="rId4"/>
   </p:sldIdLst>
   <p:sldSz cx="12192000" cy="6858000"/>
   <p:notesSz cx="6858000" cy="9144000"/>
@@ -104,6 +106,11 @@
       </a:defRPr>
     </a:lvl9pPr>
   </p:defaultTextStyle>
+  <p:extLst>
+    <p:ext uri="{EFAFB233-063F-42B5-8137-9DF3F51BA10A}">
+      <p15:sldGuideLst xmlns:p15="http://schemas.microsoft.com/office/powerpoint/2012/main"/>
+    </p:ext>
+  </p:extLst>
 </p:presentation>
 </file>
 
@@ -129,7 +136,7 @@
           <p:cNvPr id="2" name="Title 1">
             <a:extLst>
               <a:ext uri="{FF2B5EF4-FFF2-40B4-BE49-F238E27FC236}">
-                <a16:creationId xmlns:a16="http://schemas.microsoft.com/office/drawing/2014/main" id="{D12E70BE-48C3-104D-D1DA-1524C88A7914}"/>
+                <a16:creationId xmlns:a16="http://schemas.microsoft.com/office/drawing/2014/main" id="{BC91B2E1-5C4B-8938-697D-3E897B0E0D9F}"/>
               </a:ext>
             </a:extLst>
           </p:cNvPr>
@@ -166,7 +173,7 @@
           <p:cNvPr id="3" name="Subtitle 2">
             <a:extLst>
               <a:ext uri="{FF2B5EF4-FFF2-40B4-BE49-F238E27FC236}">
-                <a16:creationId xmlns:a16="http://schemas.microsoft.com/office/drawing/2014/main" id="{EC5AE5C1-04F0-1FB8-5074-DB54B3F77498}"/>
+                <a16:creationId xmlns:a16="http://schemas.microsoft.com/office/drawing/2014/main" id="{828357A6-4D98-E6B1-4920-F1B14354D200}"/>
               </a:ext>
             </a:extLst>
           </p:cNvPr>
@@ -236,7 +243,7 @@
           <p:cNvPr id="4" name="Date Placeholder 3">
             <a:extLst>
               <a:ext uri="{FF2B5EF4-FFF2-40B4-BE49-F238E27FC236}">
-                <a16:creationId xmlns:a16="http://schemas.microsoft.com/office/drawing/2014/main" id="{F9BF3E0B-FC49-BED0-08EC-7C2726822F01}"/>
+                <a16:creationId xmlns:a16="http://schemas.microsoft.com/office/drawing/2014/main" id="{6EDE9478-E18C-40E6-C31B-71CA0C1A5D8E}"/>
               </a:ext>
             </a:extLst>
           </p:cNvPr>
@@ -252,9 +259,9 @@
           <a:bodyPr/>
           <a:lstStyle/>
           <a:p>
-            <a:fld id="{E95D2065-1626-9A4D-853B-B4A9C64B0991}" type="datetimeFigureOut">
+            <a:fld id="{E2103A60-17A8-CA4B-A625-E9DE09694588}" type="datetimeFigureOut">
               <a:rPr lang="en-US" smtClean="0"/>
-              <a:t>2/11/24</a:t>
+              <a:t>2/20/24</a:t>
             </a:fld>
             <a:endParaRPr lang="en-US"/>
           </a:p>
@@ -265,7 +272,7 @@
           <p:cNvPr id="5" name="Footer Placeholder 4">
             <a:extLst>
               <a:ext uri="{FF2B5EF4-FFF2-40B4-BE49-F238E27FC236}">
-                <a16:creationId xmlns:a16="http://schemas.microsoft.com/office/drawing/2014/main" id="{E982DC43-4988-0A98-A69E-3C7C92F7F057}"/>
+                <a16:creationId xmlns:a16="http://schemas.microsoft.com/office/drawing/2014/main" id="{0A937481-5754-7BF7-B85A-A5B1C50A49F7}"/>
               </a:ext>
             </a:extLst>
           </p:cNvPr>
@@ -290,7 +297,7 @@
           <p:cNvPr id="6" name="Slide Number Placeholder 5">
             <a:extLst>
               <a:ext uri="{FF2B5EF4-FFF2-40B4-BE49-F238E27FC236}">
-                <a16:creationId xmlns:a16="http://schemas.microsoft.com/office/drawing/2014/main" id="{6EE37313-C5DE-3F97-789F-715FF68041B1}"/>
+                <a16:creationId xmlns:a16="http://schemas.microsoft.com/office/drawing/2014/main" id="{B07DF33C-DC60-406E-D76F-8E2DEA642C68}"/>
               </a:ext>
             </a:extLst>
           </p:cNvPr>
@@ -306,7 +313,7 @@
           <a:bodyPr/>
           <a:lstStyle/>
           <a:p>
-            <a:fld id="{07BDF4F2-C131-9148-9A5E-A754DDDA7BB8}" type="slidenum">
+            <a:fld id="{691FB538-18E1-5549-B57E-2C5338C9EEFE}" type="slidenum">
               <a:rPr lang="en-US" smtClean="0"/>
               <a:t>‹#›</a:t>
             </a:fld>
@@ -317,7 +324,7 @@
     </p:spTree>
     <p:extLst>
       <p:ext uri="{BB962C8B-B14F-4D97-AF65-F5344CB8AC3E}">
-        <p14:creationId xmlns:p14="http://schemas.microsoft.com/office/powerpoint/2010/main" val="3097318983"/>
+        <p14:creationId xmlns:p14="http://schemas.microsoft.com/office/powerpoint/2010/main" val="334610227"/>
       </p:ext>
     </p:extLst>
   </p:cSld>
@@ -349,7 +356,7 @@
           <p:cNvPr id="2" name="Title 1">
             <a:extLst>
               <a:ext uri="{FF2B5EF4-FFF2-40B4-BE49-F238E27FC236}">
-                <a16:creationId xmlns:a16="http://schemas.microsoft.com/office/drawing/2014/main" id="{4EC066C2-A71A-41D8-547E-FDA1EB7C33A8}"/>
+                <a16:creationId xmlns:a16="http://schemas.microsoft.com/office/drawing/2014/main" id="{529DA550-573F-8648-B68F-64B4FB180031}"/>
               </a:ext>
             </a:extLst>
           </p:cNvPr>
@@ -377,7 +384,7 @@
           <p:cNvPr id="3" name="Vertical Text Placeholder 2">
             <a:extLst>
               <a:ext uri="{FF2B5EF4-FFF2-40B4-BE49-F238E27FC236}">
-                <a16:creationId xmlns:a16="http://schemas.microsoft.com/office/drawing/2014/main" id="{7A56A0F0-6265-636F-84F1-881F066B7C41}"/>
+                <a16:creationId xmlns:a16="http://schemas.microsoft.com/office/drawing/2014/main" id="{39419A88-00DF-F3EF-0EAD-8DC25F491E75}"/>
               </a:ext>
             </a:extLst>
           </p:cNvPr>
@@ -434,7 +441,7 @@
           <p:cNvPr id="4" name="Date Placeholder 3">
             <a:extLst>
               <a:ext uri="{FF2B5EF4-FFF2-40B4-BE49-F238E27FC236}">
-                <a16:creationId xmlns:a16="http://schemas.microsoft.com/office/drawing/2014/main" id="{D9836EBC-F7CA-0D2E-EB89-3B684A851A4D}"/>
+                <a16:creationId xmlns:a16="http://schemas.microsoft.com/office/drawing/2014/main" id="{0A1B4110-5FEE-8823-51D0-ABD69093B315}"/>
               </a:ext>
             </a:extLst>
           </p:cNvPr>
@@ -450,9 +457,9 @@
           <a:bodyPr/>
           <a:lstStyle/>
           <a:p>
-            <a:fld id="{E95D2065-1626-9A4D-853B-B4A9C64B0991}" type="datetimeFigureOut">
+            <a:fld id="{E2103A60-17A8-CA4B-A625-E9DE09694588}" type="datetimeFigureOut">
               <a:rPr lang="en-US" smtClean="0"/>
-              <a:t>2/11/24</a:t>
+              <a:t>2/20/24</a:t>
             </a:fld>
             <a:endParaRPr lang="en-US"/>
           </a:p>
@@ -463,7 +470,7 @@
           <p:cNvPr id="5" name="Footer Placeholder 4">
             <a:extLst>
               <a:ext uri="{FF2B5EF4-FFF2-40B4-BE49-F238E27FC236}">
-                <a16:creationId xmlns:a16="http://schemas.microsoft.com/office/drawing/2014/main" id="{79815BAC-3A90-7D96-A10F-79E4F1B26766}"/>
+                <a16:creationId xmlns:a16="http://schemas.microsoft.com/office/drawing/2014/main" id="{88A6F179-A358-E056-F1EF-51FE6D69113F}"/>
               </a:ext>
             </a:extLst>
           </p:cNvPr>
@@ -488,7 +495,7 @@
           <p:cNvPr id="6" name="Slide Number Placeholder 5">
             <a:extLst>
               <a:ext uri="{FF2B5EF4-FFF2-40B4-BE49-F238E27FC236}">
-                <a16:creationId xmlns:a16="http://schemas.microsoft.com/office/drawing/2014/main" id="{8800F78C-696A-DD07-61E7-BB8B0BC697AF}"/>
+                <a16:creationId xmlns:a16="http://schemas.microsoft.com/office/drawing/2014/main" id="{536C3C13-427C-D527-5111-A17ED373B80E}"/>
               </a:ext>
             </a:extLst>
           </p:cNvPr>
@@ -504,7 +511,7 @@
           <a:bodyPr/>
           <a:lstStyle/>
           <a:p>
-            <a:fld id="{07BDF4F2-C131-9148-9A5E-A754DDDA7BB8}" type="slidenum">
+            <a:fld id="{691FB538-18E1-5549-B57E-2C5338C9EEFE}" type="slidenum">
               <a:rPr lang="en-US" smtClean="0"/>
               <a:t>‹#›</a:t>
             </a:fld>
@@ -515,7 +522,7 @@
     </p:spTree>
     <p:extLst>
       <p:ext uri="{BB962C8B-B14F-4D97-AF65-F5344CB8AC3E}">
-        <p14:creationId xmlns:p14="http://schemas.microsoft.com/office/powerpoint/2010/main" val="2931149612"/>
+        <p14:creationId xmlns:p14="http://schemas.microsoft.com/office/powerpoint/2010/main" val="307025148"/>
       </p:ext>
     </p:extLst>
   </p:cSld>
@@ -547,7 +554,7 @@
           <p:cNvPr id="2" name="Vertical Title 1">
             <a:extLst>
               <a:ext uri="{FF2B5EF4-FFF2-40B4-BE49-F238E27FC236}">
-                <a16:creationId xmlns:a16="http://schemas.microsoft.com/office/drawing/2014/main" id="{887BA048-1042-0E21-A114-6823C04CD3EE}"/>
+                <a16:creationId xmlns:a16="http://schemas.microsoft.com/office/drawing/2014/main" id="{05762829-A18E-5EDB-241D-9AB3BA0ACDB8}"/>
               </a:ext>
             </a:extLst>
           </p:cNvPr>
@@ -580,7 +587,7 @@
           <p:cNvPr id="3" name="Vertical Text Placeholder 2">
             <a:extLst>
               <a:ext uri="{FF2B5EF4-FFF2-40B4-BE49-F238E27FC236}">
-                <a16:creationId xmlns:a16="http://schemas.microsoft.com/office/drawing/2014/main" id="{983B9120-FFD5-E7C1-03D1-CC53FD2025E3}"/>
+                <a16:creationId xmlns:a16="http://schemas.microsoft.com/office/drawing/2014/main" id="{A2D5DA89-5716-3B67-8ED2-E3179CAED924}"/>
               </a:ext>
             </a:extLst>
           </p:cNvPr>
@@ -642,7 +649,7 @@
           <p:cNvPr id="4" name="Date Placeholder 3">
             <a:extLst>
               <a:ext uri="{FF2B5EF4-FFF2-40B4-BE49-F238E27FC236}">
-                <a16:creationId xmlns:a16="http://schemas.microsoft.com/office/drawing/2014/main" id="{4D439DB6-2B3C-8973-C98C-DC16DAF8DD83}"/>
+                <a16:creationId xmlns:a16="http://schemas.microsoft.com/office/drawing/2014/main" id="{B4588CA7-CD5B-2DC3-CA87-B6A49AA6E9DE}"/>
               </a:ext>
             </a:extLst>
           </p:cNvPr>
@@ -658,9 +665,9 @@
           <a:bodyPr/>
           <a:lstStyle/>
           <a:p>
-            <a:fld id="{E95D2065-1626-9A4D-853B-B4A9C64B0991}" type="datetimeFigureOut">
+            <a:fld id="{E2103A60-17A8-CA4B-A625-E9DE09694588}" type="datetimeFigureOut">
               <a:rPr lang="en-US" smtClean="0"/>
-              <a:t>2/11/24</a:t>
+              <a:t>2/20/24</a:t>
             </a:fld>
             <a:endParaRPr lang="en-US"/>
           </a:p>
@@ -671,7 +678,7 @@
           <p:cNvPr id="5" name="Footer Placeholder 4">
             <a:extLst>
               <a:ext uri="{FF2B5EF4-FFF2-40B4-BE49-F238E27FC236}">
-                <a16:creationId xmlns:a16="http://schemas.microsoft.com/office/drawing/2014/main" id="{B6286B6C-8391-D2C3-5157-711AF439666D}"/>
+                <a16:creationId xmlns:a16="http://schemas.microsoft.com/office/drawing/2014/main" id="{3F90771F-40FE-D79F-4E71-2235A6F6AF0D}"/>
               </a:ext>
             </a:extLst>
           </p:cNvPr>
@@ -696,7 +703,7 @@
           <p:cNvPr id="6" name="Slide Number Placeholder 5">
             <a:extLst>
               <a:ext uri="{FF2B5EF4-FFF2-40B4-BE49-F238E27FC236}">
-                <a16:creationId xmlns:a16="http://schemas.microsoft.com/office/drawing/2014/main" id="{FE8123D8-4768-1A54-59D5-7B2C93C77629}"/>
+                <a16:creationId xmlns:a16="http://schemas.microsoft.com/office/drawing/2014/main" id="{E1447BBE-15B6-15B7-E941-AE366DACB82C}"/>
               </a:ext>
             </a:extLst>
           </p:cNvPr>
@@ -712,7 +719,7 @@
           <a:bodyPr/>
           <a:lstStyle/>
           <a:p>
-            <a:fld id="{07BDF4F2-C131-9148-9A5E-A754DDDA7BB8}" type="slidenum">
+            <a:fld id="{691FB538-18E1-5549-B57E-2C5338C9EEFE}" type="slidenum">
               <a:rPr lang="en-US" smtClean="0"/>
               <a:t>‹#›</a:t>
             </a:fld>
@@ -723,7 +730,7 @@
     </p:spTree>
     <p:extLst>
       <p:ext uri="{BB962C8B-B14F-4D97-AF65-F5344CB8AC3E}">
-        <p14:creationId xmlns:p14="http://schemas.microsoft.com/office/powerpoint/2010/main" val="1360014576"/>
+        <p14:creationId xmlns:p14="http://schemas.microsoft.com/office/powerpoint/2010/main" val="3979844025"/>
       </p:ext>
     </p:extLst>
   </p:cSld>
@@ -755,7 +762,7 @@
           <p:cNvPr id="2" name="Title 1">
             <a:extLst>
               <a:ext uri="{FF2B5EF4-FFF2-40B4-BE49-F238E27FC236}">
-                <a16:creationId xmlns:a16="http://schemas.microsoft.com/office/drawing/2014/main" id="{AA611831-4825-7325-75CF-BF1C00D793A3}"/>
+                <a16:creationId xmlns:a16="http://schemas.microsoft.com/office/drawing/2014/main" id="{0824D06D-E5DD-A5E5-F439-20C85E9A16F1}"/>
               </a:ext>
             </a:extLst>
           </p:cNvPr>
@@ -783,7 +790,7 @@
           <p:cNvPr id="3" name="Content Placeholder 2">
             <a:extLst>
               <a:ext uri="{FF2B5EF4-FFF2-40B4-BE49-F238E27FC236}">
-                <a16:creationId xmlns:a16="http://schemas.microsoft.com/office/drawing/2014/main" id="{70DF913D-77F2-CFBB-8EEB-EDA2690E159F}"/>
+                <a16:creationId xmlns:a16="http://schemas.microsoft.com/office/drawing/2014/main" id="{6356AC23-34C0-5FA9-29CB-8D85CA361752}"/>
               </a:ext>
             </a:extLst>
           </p:cNvPr>
@@ -840,7 +847,7 @@
           <p:cNvPr id="4" name="Date Placeholder 3">
             <a:extLst>
               <a:ext uri="{FF2B5EF4-FFF2-40B4-BE49-F238E27FC236}">
-                <a16:creationId xmlns:a16="http://schemas.microsoft.com/office/drawing/2014/main" id="{2E42F653-6BD8-162C-05A3-E9871B9772EE}"/>
+                <a16:creationId xmlns:a16="http://schemas.microsoft.com/office/drawing/2014/main" id="{D88007D2-91A6-42B2-31E7-2F929D2A72A4}"/>
               </a:ext>
             </a:extLst>
           </p:cNvPr>
@@ -856,9 +863,9 @@
           <a:bodyPr/>
           <a:lstStyle/>
           <a:p>
-            <a:fld id="{E95D2065-1626-9A4D-853B-B4A9C64B0991}" type="datetimeFigureOut">
+            <a:fld id="{E2103A60-17A8-CA4B-A625-E9DE09694588}" type="datetimeFigureOut">
               <a:rPr lang="en-US" smtClean="0"/>
-              <a:t>2/11/24</a:t>
+              <a:t>2/20/24</a:t>
             </a:fld>
             <a:endParaRPr lang="en-US"/>
           </a:p>
@@ -869,7 +876,7 @@
           <p:cNvPr id="5" name="Footer Placeholder 4">
             <a:extLst>
               <a:ext uri="{FF2B5EF4-FFF2-40B4-BE49-F238E27FC236}">
-                <a16:creationId xmlns:a16="http://schemas.microsoft.com/office/drawing/2014/main" id="{5CB4489E-234D-E107-0793-0FABC2BAC69E}"/>
+                <a16:creationId xmlns:a16="http://schemas.microsoft.com/office/drawing/2014/main" id="{11CC0E56-1DA1-4DC6-6165-B7569F0D4795}"/>
               </a:ext>
             </a:extLst>
           </p:cNvPr>
@@ -894,7 +901,7 @@
           <p:cNvPr id="6" name="Slide Number Placeholder 5">
             <a:extLst>
               <a:ext uri="{FF2B5EF4-FFF2-40B4-BE49-F238E27FC236}">
-                <a16:creationId xmlns:a16="http://schemas.microsoft.com/office/drawing/2014/main" id="{C874DFD3-6FCA-90F9-27E9-7EB3C425E948}"/>
+                <a16:creationId xmlns:a16="http://schemas.microsoft.com/office/drawing/2014/main" id="{599D4DC4-171E-BA7E-3DD5-611BA2597676}"/>
               </a:ext>
             </a:extLst>
           </p:cNvPr>
@@ -910,7 +917,7 @@
           <a:bodyPr/>
           <a:lstStyle/>
           <a:p>
-            <a:fld id="{07BDF4F2-C131-9148-9A5E-A754DDDA7BB8}" type="slidenum">
+            <a:fld id="{691FB538-18E1-5549-B57E-2C5338C9EEFE}" type="slidenum">
               <a:rPr lang="en-US" smtClean="0"/>
               <a:t>‹#›</a:t>
             </a:fld>
@@ -921,7 +928,7 @@
     </p:spTree>
     <p:extLst>
       <p:ext uri="{BB962C8B-B14F-4D97-AF65-F5344CB8AC3E}">
-        <p14:creationId xmlns:p14="http://schemas.microsoft.com/office/powerpoint/2010/main" val="3480625763"/>
+        <p14:creationId xmlns:p14="http://schemas.microsoft.com/office/powerpoint/2010/main" val="993535553"/>
       </p:ext>
     </p:extLst>
   </p:cSld>
@@ -953,7 +960,7 @@
           <p:cNvPr id="2" name="Title 1">
             <a:extLst>
               <a:ext uri="{FF2B5EF4-FFF2-40B4-BE49-F238E27FC236}">
-                <a16:creationId xmlns:a16="http://schemas.microsoft.com/office/drawing/2014/main" id="{40B162FA-FDBE-5601-B0B9-6C68D36FD36A}"/>
+                <a16:creationId xmlns:a16="http://schemas.microsoft.com/office/drawing/2014/main" id="{9E578A47-2252-FC4D-82B4-2F03AF341AC9}"/>
               </a:ext>
             </a:extLst>
           </p:cNvPr>
@@ -990,7 +997,7 @@
           <p:cNvPr id="3" name="Text Placeholder 2">
             <a:extLst>
               <a:ext uri="{FF2B5EF4-FFF2-40B4-BE49-F238E27FC236}">
-                <a16:creationId xmlns:a16="http://schemas.microsoft.com/office/drawing/2014/main" id="{DADE2D13-CE84-F37B-81D4-2B1448166A8A}"/>
+                <a16:creationId xmlns:a16="http://schemas.microsoft.com/office/drawing/2014/main" id="{115E3C60-7E60-E8D8-4A0B-96CF5AA9A621}"/>
               </a:ext>
             </a:extLst>
           </p:cNvPr>
@@ -1115,7 +1122,7 @@
           <p:cNvPr id="4" name="Date Placeholder 3">
             <a:extLst>
               <a:ext uri="{FF2B5EF4-FFF2-40B4-BE49-F238E27FC236}">
-                <a16:creationId xmlns:a16="http://schemas.microsoft.com/office/drawing/2014/main" id="{5A353B06-6AB4-8FCA-8939-43322133035A}"/>
+                <a16:creationId xmlns:a16="http://schemas.microsoft.com/office/drawing/2014/main" id="{3941F143-C866-9E26-E0B8-54D08FC4FB42}"/>
               </a:ext>
             </a:extLst>
           </p:cNvPr>
@@ -1131,9 +1138,9 @@
           <a:bodyPr/>
           <a:lstStyle/>
           <a:p>
-            <a:fld id="{E95D2065-1626-9A4D-853B-B4A9C64B0991}" type="datetimeFigureOut">
+            <a:fld id="{E2103A60-17A8-CA4B-A625-E9DE09694588}" type="datetimeFigureOut">
               <a:rPr lang="en-US" smtClean="0"/>
-              <a:t>2/11/24</a:t>
+              <a:t>2/20/24</a:t>
             </a:fld>
             <a:endParaRPr lang="en-US"/>
           </a:p>
@@ -1144,7 +1151,7 @@
           <p:cNvPr id="5" name="Footer Placeholder 4">
             <a:extLst>
               <a:ext uri="{FF2B5EF4-FFF2-40B4-BE49-F238E27FC236}">
-                <a16:creationId xmlns:a16="http://schemas.microsoft.com/office/drawing/2014/main" id="{2444ABA4-6645-0C5B-3732-E5DD119D0622}"/>
+                <a16:creationId xmlns:a16="http://schemas.microsoft.com/office/drawing/2014/main" id="{FB46CDCB-5075-4108-A37F-E0E8DFEA3103}"/>
               </a:ext>
             </a:extLst>
           </p:cNvPr>
@@ -1169,7 +1176,7 @@
           <p:cNvPr id="6" name="Slide Number Placeholder 5">
             <a:extLst>
               <a:ext uri="{FF2B5EF4-FFF2-40B4-BE49-F238E27FC236}">
-                <a16:creationId xmlns:a16="http://schemas.microsoft.com/office/drawing/2014/main" id="{ED9F0984-D0DC-0E28-341E-4A699628FC54}"/>
+                <a16:creationId xmlns:a16="http://schemas.microsoft.com/office/drawing/2014/main" id="{F5D43863-87F4-7659-E32A-C3B38EE04023}"/>
               </a:ext>
             </a:extLst>
           </p:cNvPr>
@@ -1185,7 +1192,7 @@
           <a:bodyPr/>
           <a:lstStyle/>
           <a:p>
-            <a:fld id="{07BDF4F2-C131-9148-9A5E-A754DDDA7BB8}" type="slidenum">
+            <a:fld id="{691FB538-18E1-5549-B57E-2C5338C9EEFE}" type="slidenum">
               <a:rPr lang="en-US" smtClean="0"/>
               <a:t>‹#›</a:t>
             </a:fld>
@@ -1196,7 +1203,7 @@
     </p:spTree>
     <p:extLst>
       <p:ext uri="{BB962C8B-B14F-4D97-AF65-F5344CB8AC3E}">
-        <p14:creationId xmlns:p14="http://schemas.microsoft.com/office/powerpoint/2010/main" val="2485484609"/>
+        <p14:creationId xmlns:p14="http://schemas.microsoft.com/office/powerpoint/2010/main" val="607784415"/>
       </p:ext>
     </p:extLst>
   </p:cSld>
@@ -1228,7 +1235,7 @@
           <p:cNvPr id="2" name="Title 1">
             <a:extLst>
               <a:ext uri="{FF2B5EF4-FFF2-40B4-BE49-F238E27FC236}">
-                <a16:creationId xmlns:a16="http://schemas.microsoft.com/office/drawing/2014/main" id="{FEB68D9E-9BB8-AA0D-C5A9-10CA578806C0}"/>
+                <a16:creationId xmlns:a16="http://schemas.microsoft.com/office/drawing/2014/main" id="{D366B129-538F-D8D6-C717-6A6D335E93A1}"/>
               </a:ext>
             </a:extLst>
           </p:cNvPr>
@@ -1256,7 +1263,7 @@
           <p:cNvPr id="3" name="Content Placeholder 2">
             <a:extLst>
               <a:ext uri="{FF2B5EF4-FFF2-40B4-BE49-F238E27FC236}">
-                <a16:creationId xmlns:a16="http://schemas.microsoft.com/office/drawing/2014/main" id="{708F5E5E-C15F-87DC-52EF-9FE53668C45A}"/>
+                <a16:creationId xmlns:a16="http://schemas.microsoft.com/office/drawing/2014/main" id="{3899055B-B738-F022-57BD-920D708562A7}"/>
               </a:ext>
             </a:extLst>
           </p:cNvPr>
@@ -1318,7 +1325,7 @@
           <p:cNvPr id="4" name="Content Placeholder 3">
             <a:extLst>
               <a:ext uri="{FF2B5EF4-FFF2-40B4-BE49-F238E27FC236}">
-                <a16:creationId xmlns:a16="http://schemas.microsoft.com/office/drawing/2014/main" id="{7793A5C3-4988-1598-43C0-02470826BAEF}"/>
+                <a16:creationId xmlns:a16="http://schemas.microsoft.com/office/drawing/2014/main" id="{8D86B20E-AC9F-B16F-D512-D9B775F53393}"/>
               </a:ext>
             </a:extLst>
           </p:cNvPr>
@@ -1380,7 +1387,7 @@
           <p:cNvPr id="5" name="Date Placeholder 4">
             <a:extLst>
               <a:ext uri="{FF2B5EF4-FFF2-40B4-BE49-F238E27FC236}">
-                <a16:creationId xmlns:a16="http://schemas.microsoft.com/office/drawing/2014/main" id="{DD36F3DC-379F-C0A2-207A-47DE8810B38D}"/>
+                <a16:creationId xmlns:a16="http://schemas.microsoft.com/office/drawing/2014/main" id="{A44CE05A-C7A7-6513-39CD-00FBD2514024}"/>
               </a:ext>
             </a:extLst>
           </p:cNvPr>
@@ -1396,9 +1403,9 @@
           <a:bodyPr/>
           <a:lstStyle/>
           <a:p>
-            <a:fld id="{E95D2065-1626-9A4D-853B-B4A9C64B0991}" type="datetimeFigureOut">
+            <a:fld id="{E2103A60-17A8-CA4B-A625-E9DE09694588}" type="datetimeFigureOut">
               <a:rPr lang="en-US" smtClean="0"/>
-              <a:t>2/11/24</a:t>
+              <a:t>2/20/24</a:t>
             </a:fld>
             <a:endParaRPr lang="en-US"/>
           </a:p>
@@ -1409,7 +1416,7 @@
           <p:cNvPr id="6" name="Footer Placeholder 5">
             <a:extLst>
               <a:ext uri="{FF2B5EF4-FFF2-40B4-BE49-F238E27FC236}">
-                <a16:creationId xmlns:a16="http://schemas.microsoft.com/office/drawing/2014/main" id="{950513A5-2D5B-829E-41B1-857BB188ABD6}"/>
+                <a16:creationId xmlns:a16="http://schemas.microsoft.com/office/drawing/2014/main" id="{58CAA175-5DC0-F067-C55E-BF2D1CE88006}"/>
               </a:ext>
             </a:extLst>
           </p:cNvPr>
@@ -1434,7 +1441,7 @@
           <p:cNvPr id="7" name="Slide Number Placeholder 6">
             <a:extLst>
               <a:ext uri="{FF2B5EF4-FFF2-40B4-BE49-F238E27FC236}">
-                <a16:creationId xmlns:a16="http://schemas.microsoft.com/office/drawing/2014/main" id="{B3B9EE25-7FD2-7F37-057C-369D36F5C659}"/>
+                <a16:creationId xmlns:a16="http://schemas.microsoft.com/office/drawing/2014/main" id="{BE045ACD-96A2-65CC-E5E2-32E95FCCCE83}"/>
               </a:ext>
             </a:extLst>
           </p:cNvPr>
@@ -1450,7 +1457,7 @@
           <a:bodyPr/>
           <a:lstStyle/>
           <a:p>
-            <a:fld id="{07BDF4F2-C131-9148-9A5E-A754DDDA7BB8}" type="slidenum">
+            <a:fld id="{691FB538-18E1-5549-B57E-2C5338C9EEFE}" type="slidenum">
               <a:rPr lang="en-US" smtClean="0"/>
               <a:t>‹#›</a:t>
             </a:fld>
@@ -1461,7 +1468,7 @@
     </p:spTree>
     <p:extLst>
       <p:ext uri="{BB962C8B-B14F-4D97-AF65-F5344CB8AC3E}">
-        <p14:creationId xmlns:p14="http://schemas.microsoft.com/office/powerpoint/2010/main" val="1757800647"/>
+        <p14:creationId xmlns:p14="http://schemas.microsoft.com/office/powerpoint/2010/main" val="1311512405"/>
       </p:ext>
     </p:extLst>
   </p:cSld>
@@ -1493,7 +1500,7 @@
           <p:cNvPr id="2" name="Title 1">
             <a:extLst>
               <a:ext uri="{FF2B5EF4-FFF2-40B4-BE49-F238E27FC236}">
-                <a16:creationId xmlns:a16="http://schemas.microsoft.com/office/drawing/2014/main" id="{66270E9B-64CA-45C6-89BD-8C40ADAAADB8}"/>
+                <a16:creationId xmlns:a16="http://schemas.microsoft.com/office/drawing/2014/main" id="{E4CAFE3E-1BE3-93D6-2753-78BF43A1656A}"/>
               </a:ext>
             </a:extLst>
           </p:cNvPr>
@@ -1526,7 +1533,7 @@
           <p:cNvPr id="3" name="Text Placeholder 2">
             <a:extLst>
               <a:ext uri="{FF2B5EF4-FFF2-40B4-BE49-F238E27FC236}">
-                <a16:creationId xmlns:a16="http://schemas.microsoft.com/office/drawing/2014/main" id="{5C5912DE-A40B-37EA-F68B-9A5E546DD495}"/>
+                <a16:creationId xmlns:a16="http://schemas.microsoft.com/office/drawing/2014/main" id="{B0B747CD-9EFD-EF6D-0301-CB7D9D8C17B0}"/>
               </a:ext>
             </a:extLst>
           </p:cNvPr>
@@ -1597,7 +1604,7 @@
           <p:cNvPr id="4" name="Content Placeholder 3">
             <a:extLst>
               <a:ext uri="{FF2B5EF4-FFF2-40B4-BE49-F238E27FC236}">
-                <a16:creationId xmlns:a16="http://schemas.microsoft.com/office/drawing/2014/main" id="{1AF7F127-83F4-B8FC-7974-AF6EF01DFF9C}"/>
+                <a16:creationId xmlns:a16="http://schemas.microsoft.com/office/drawing/2014/main" id="{CC77A69E-D352-BB0B-ABA1-98D2717E61DA}"/>
               </a:ext>
             </a:extLst>
           </p:cNvPr>
@@ -1659,7 +1666,7 @@
           <p:cNvPr id="5" name="Text Placeholder 4">
             <a:extLst>
               <a:ext uri="{FF2B5EF4-FFF2-40B4-BE49-F238E27FC236}">
-                <a16:creationId xmlns:a16="http://schemas.microsoft.com/office/drawing/2014/main" id="{0AAD98A4-0368-4B31-7506-9420027E02DE}"/>
+                <a16:creationId xmlns:a16="http://schemas.microsoft.com/office/drawing/2014/main" id="{888F19AA-E86A-DEF2-5036-4280AD963030}"/>
               </a:ext>
             </a:extLst>
           </p:cNvPr>
@@ -1730,7 +1737,7 @@
           <p:cNvPr id="6" name="Content Placeholder 5">
             <a:extLst>
               <a:ext uri="{FF2B5EF4-FFF2-40B4-BE49-F238E27FC236}">
-                <a16:creationId xmlns:a16="http://schemas.microsoft.com/office/drawing/2014/main" id="{91F30574-0682-DA0A-8D04-0C5116868CF1}"/>
+                <a16:creationId xmlns:a16="http://schemas.microsoft.com/office/drawing/2014/main" id="{2F45CADC-B968-4EF4-1AF1-C80DE5D1C25E}"/>
               </a:ext>
             </a:extLst>
           </p:cNvPr>
@@ -1792,7 +1799,7 @@
           <p:cNvPr id="7" name="Date Placeholder 6">
             <a:extLst>
               <a:ext uri="{FF2B5EF4-FFF2-40B4-BE49-F238E27FC236}">
-                <a16:creationId xmlns:a16="http://schemas.microsoft.com/office/drawing/2014/main" id="{1E0E787D-A222-8737-04E3-4741A7EBC0BB}"/>
+                <a16:creationId xmlns:a16="http://schemas.microsoft.com/office/drawing/2014/main" id="{8ECE6047-887E-666A-5F7E-FE69396C4F95}"/>
               </a:ext>
             </a:extLst>
           </p:cNvPr>
@@ -1808,9 +1815,9 @@
           <a:bodyPr/>
           <a:lstStyle/>
           <a:p>
-            <a:fld id="{E95D2065-1626-9A4D-853B-B4A9C64B0991}" type="datetimeFigureOut">
+            <a:fld id="{E2103A60-17A8-CA4B-A625-E9DE09694588}" type="datetimeFigureOut">
               <a:rPr lang="en-US" smtClean="0"/>
-              <a:t>2/11/24</a:t>
+              <a:t>2/20/24</a:t>
             </a:fld>
             <a:endParaRPr lang="en-US"/>
           </a:p>
@@ -1821,7 +1828,7 @@
           <p:cNvPr id="8" name="Footer Placeholder 7">
             <a:extLst>
               <a:ext uri="{FF2B5EF4-FFF2-40B4-BE49-F238E27FC236}">
-                <a16:creationId xmlns:a16="http://schemas.microsoft.com/office/drawing/2014/main" id="{EE956933-45AA-A1B7-4D26-B04525F8C552}"/>
+                <a16:creationId xmlns:a16="http://schemas.microsoft.com/office/drawing/2014/main" id="{327C2614-D1E4-F6E1-CA07-3FEE56F962BB}"/>
               </a:ext>
             </a:extLst>
           </p:cNvPr>
@@ -1846,7 +1853,7 @@
           <p:cNvPr id="9" name="Slide Number Placeholder 8">
             <a:extLst>
               <a:ext uri="{FF2B5EF4-FFF2-40B4-BE49-F238E27FC236}">
-                <a16:creationId xmlns:a16="http://schemas.microsoft.com/office/drawing/2014/main" id="{9E7659A2-0864-8DCB-9296-CE7063980A7C}"/>
+                <a16:creationId xmlns:a16="http://schemas.microsoft.com/office/drawing/2014/main" id="{FBBBC2F2-C790-5F2E-1D89-282CC5093399}"/>
               </a:ext>
             </a:extLst>
           </p:cNvPr>
@@ -1862,7 +1869,7 @@
           <a:bodyPr/>
           <a:lstStyle/>
           <a:p>
-            <a:fld id="{07BDF4F2-C131-9148-9A5E-A754DDDA7BB8}" type="slidenum">
+            <a:fld id="{691FB538-18E1-5549-B57E-2C5338C9EEFE}" type="slidenum">
               <a:rPr lang="en-US" smtClean="0"/>
               <a:t>‹#›</a:t>
             </a:fld>
@@ -1873,7 +1880,7 @@
     </p:spTree>
     <p:extLst>
       <p:ext uri="{BB962C8B-B14F-4D97-AF65-F5344CB8AC3E}">
-        <p14:creationId xmlns:p14="http://schemas.microsoft.com/office/powerpoint/2010/main" val="1652876864"/>
+        <p14:creationId xmlns:p14="http://schemas.microsoft.com/office/powerpoint/2010/main" val="1482960678"/>
       </p:ext>
     </p:extLst>
   </p:cSld>
@@ -1905,7 +1912,7 @@
           <p:cNvPr id="2" name="Title 1">
             <a:extLst>
               <a:ext uri="{FF2B5EF4-FFF2-40B4-BE49-F238E27FC236}">
-                <a16:creationId xmlns:a16="http://schemas.microsoft.com/office/drawing/2014/main" id="{742E0124-410A-ACBC-CBEB-A327595C0171}"/>
+                <a16:creationId xmlns:a16="http://schemas.microsoft.com/office/drawing/2014/main" id="{2D943DC3-0FE0-1509-9468-9AC01BB95FFE}"/>
               </a:ext>
             </a:extLst>
           </p:cNvPr>
@@ -1933,7 +1940,7 @@
           <p:cNvPr id="3" name="Date Placeholder 2">
             <a:extLst>
               <a:ext uri="{FF2B5EF4-FFF2-40B4-BE49-F238E27FC236}">
-                <a16:creationId xmlns:a16="http://schemas.microsoft.com/office/drawing/2014/main" id="{EFD6C7A6-0CF7-DCE9-8946-0D92D5326E51}"/>
+                <a16:creationId xmlns:a16="http://schemas.microsoft.com/office/drawing/2014/main" id="{8EBCFCFF-DA18-202D-D8BC-C7E1C112C1A2}"/>
               </a:ext>
             </a:extLst>
           </p:cNvPr>
@@ -1949,9 +1956,9 @@
           <a:bodyPr/>
           <a:lstStyle/>
           <a:p>
-            <a:fld id="{E95D2065-1626-9A4D-853B-B4A9C64B0991}" type="datetimeFigureOut">
+            <a:fld id="{E2103A60-17A8-CA4B-A625-E9DE09694588}" type="datetimeFigureOut">
               <a:rPr lang="en-US" smtClean="0"/>
-              <a:t>2/11/24</a:t>
+              <a:t>2/20/24</a:t>
             </a:fld>
             <a:endParaRPr lang="en-US"/>
           </a:p>
@@ -1962,7 +1969,7 @@
           <p:cNvPr id="4" name="Footer Placeholder 3">
             <a:extLst>
               <a:ext uri="{FF2B5EF4-FFF2-40B4-BE49-F238E27FC236}">
-                <a16:creationId xmlns:a16="http://schemas.microsoft.com/office/drawing/2014/main" id="{DC98D1F0-A380-BD9A-70C7-AF2C460FE5A9}"/>
+                <a16:creationId xmlns:a16="http://schemas.microsoft.com/office/drawing/2014/main" id="{9343E225-2185-3B2F-B640-1B7AB2C2F4A9}"/>
               </a:ext>
             </a:extLst>
           </p:cNvPr>
@@ -1987,7 +1994,7 @@
           <p:cNvPr id="5" name="Slide Number Placeholder 4">
             <a:extLst>
               <a:ext uri="{FF2B5EF4-FFF2-40B4-BE49-F238E27FC236}">
-                <a16:creationId xmlns:a16="http://schemas.microsoft.com/office/drawing/2014/main" id="{D9E33519-2327-264F-A391-98CDD25DE298}"/>
+                <a16:creationId xmlns:a16="http://schemas.microsoft.com/office/drawing/2014/main" id="{8EFB9650-5EE7-64DC-6C72-94EDB628679E}"/>
               </a:ext>
             </a:extLst>
           </p:cNvPr>
@@ -2003,7 +2010,7 @@
           <a:bodyPr/>
           <a:lstStyle/>
           <a:p>
-            <a:fld id="{07BDF4F2-C131-9148-9A5E-A754DDDA7BB8}" type="slidenum">
+            <a:fld id="{691FB538-18E1-5549-B57E-2C5338C9EEFE}" type="slidenum">
               <a:rPr lang="en-US" smtClean="0"/>
               <a:t>‹#›</a:t>
             </a:fld>
@@ -2014,7 +2021,7 @@
     </p:spTree>
     <p:extLst>
       <p:ext uri="{BB962C8B-B14F-4D97-AF65-F5344CB8AC3E}">
-        <p14:creationId xmlns:p14="http://schemas.microsoft.com/office/powerpoint/2010/main" val="3717414054"/>
+        <p14:creationId xmlns:p14="http://schemas.microsoft.com/office/powerpoint/2010/main" val="1099050426"/>
       </p:ext>
     </p:extLst>
   </p:cSld>
@@ -2046,7 +2053,7 @@
           <p:cNvPr id="2" name="Date Placeholder 1">
             <a:extLst>
               <a:ext uri="{FF2B5EF4-FFF2-40B4-BE49-F238E27FC236}">
-                <a16:creationId xmlns:a16="http://schemas.microsoft.com/office/drawing/2014/main" id="{3669E388-FACB-536E-5C3E-4236402714BA}"/>
+                <a16:creationId xmlns:a16="http://schemas.microsoft.com/office/drawing/2014/main" id="{C54F999C-BCAE-BFE0-9091-3EEB2180FC8E}"/>
               </a:ext>
             </a:extLst>
           </p:cNvPr>
@@ -2062,9 +2069,9 @@
           <a:bodyPr/>
           <a:lstStyle/>
           <a:p>
-            <a:fld id="{E95D2065-1626-9A4D-853B-B4A9C64B0991}" type="datetimeFigureOut">
+            <a:fld id="{E2103A60-17A8-CA4B-A625-E9DE09694588}" type="datetimeFigureOut">
               <a:rPr lang="en-US" smtClean="0"/>
-              <a:t>2/11/24</a:t>
+              <a:t>2/20/24</a:t>
             </a:fld>
             <a:endParaRPr lang="en-US"/>
           </a:p>
@@ -2075,7 +2082,7 @@
           <p:cNvPr id="3" name="Footer Placeholder 2">
             <a:extLst>
               <a:ext uri="{FF2B5EF4-FFF2-40B4-BE49-F238E27FC236}">
-                <a16:creationId xmlns:a16="http://schemas.microsoft.com/office/drawing/2014/main" id="{17E5FBFC-3350-18A5-05AB-1E08724F23B0}"/>
+                <a16:creationId xmlns:a16="http://schemas.microsoft.com/office/drawing/2014/main" id="{5B57A499-22AE-62F4-7B23-E7BE9CB0A286}"/>
               </a:ext>
             </a:extLst>
           </p:cNvPr>
@@ -2100,7 +2107,7 @@
           <p:cNvPr id="4" name="Slide Number Placeholder 3">
             <a:extLst>
               <a:ext uri="{FF2B5EF4-FFF2-40B4-BE49-F238E27FC236}">
-                <a16:creationId xmlns:a16="http://schemas.microsoft.com/office/drawing/2014/main" id="{BF0AB8E0-5945-0F30-CD56-D0F9289F120E}"/>
+                <a16:creationId xmlns:a16="http://schemas.microsoft.com/office/drawing/2014/main" id="{306286DD-2BC2-1677-1405-830861FF18FE}"/>
               </a:ext>
             </a:extLst>
           </p:cNvPr>
@@ -2116,7 +2123,7 @@
           <a:bodyPr/>
           <a:lstStyle/>
           <a:p>
-            <a:fld id="{07BDF4F2-C131-9148-9A5E-A754DDDA7BB8}" type="slidenum">
+            <a:fld id="{691FB538-18E1-5549-B57E-2C5338C9EEFE}" type="slidenum">
               <a:rPr lang="en-US" smtClean="0"/>
               <a:t>‹#›</a:t>
             </a:fld>
@@ -2127,7 +2134,7 @@
     </p:spTree>
     <p:extLst>
       <p:ext uri="{BB962C8B-B14F-4D97-AF65-F5344CB8AC3E}">
-        <p14:creationId xmlns:p14="http://schemas.microsoft.com/office/powerpoint/2010/main" val="202177498"/>
+        <p14:creationId xmlns:p14="http://schemas.microsoft.com/office/powerpoint/2010/main" val="3076255943"/>
       </p:ext>
     </p:extLst>
   </p:cSld>
@@ -2159,7 +2166,7 @@
           <p:cNvPr id="2" name="Title 1">
             <a:extLst>
               <a:ext uri="{FF2B5EF4-FFF2-40B4-BE49-F238E27FC236}">
-                <a16:creationId xmlns:a16="http://schemas.microsoft.com/office/drawing/2014/main" id="{EE5D7FAD-D41E-B1A1-D28D-5231518480CF}"/>
+                <a16:creationId xmlns:a16="http://schemas.microsoft.com/office/drawing/2014/main" id="{4F9D5F95-FC2C-ACD6-8294-CB5E347A0BD1}"/>
               </a:ext>
             </a:extLst>
           </p:cNvPr>
@@ -2196,7 +2203,7 @@
           <p:cNvPr id="3" name="Content Placeholder 2">
             <a:extLst>
               <a:ext uri="{FF2B5EF4-FFF2-40B4-BE49-F238E27FC236}">
-                <a16:creationId xmlns:a16="http://schemas.microsoft.com/office/drawing/2014/main" id="{BA4DEF30-2F25-E111-466E-EF8AD563A7D8}"/>
+                <a16:creationId xmlns:a16="http://schemas.microsoft.com/office/drawing/2014/main" id="{56DF8AB2-F6A5-49A3-A530-CDDB8544F538}"/>
               </a:ext>
             </a:extLst>
           </p:cNvPr>
@@ -2286,7 +2293,7 @@
           <p:cNvPr id="4" name="Text Placeholder 3">
             <a:extLst>
               <a:ext uri="{FF2B5EF4-FFF2-40B4-BE49-F238E27FC236}">
-                <a16:creationId xmlns:a16="http://schemas.microsoft.com/office/drawing/2014/main" id="{7519DDEE-0AF9-28D2-E27F-47878D02478E}"/>
+                <a16:creationId xmlns:a16="http://schemas.microsoft.com/office/drawing/2014/main" id="{7787B475-4EF1-4C94-E30D-B72CBC3A0192}"/>
               </a:ext>
             </a:extLst>
           </p:cNvPr>
@@ -2357,7 +2364,7 @@
           <p:cNvPr id="5" name="Date Placeholder 4">
             <a:extLst>
               <a:ext uri="{FF2B5EF4-FFF2-40B4-BE49-F238E27FC236}">
-                <a16:creationId xmlns:a16="http://schemas.microsoft.com/office/drawing/2014/main" id="{B3751CD6-742D-EF8F-AD6D-EA1AF341D72A}"/>
+                <a16:creationId xmlns:a16="http://schemas.microsoft.com/office/drawing/2014/main" id="{F7D15B54-75F7-B91C-B5BB-F2FD7B4A0DCC}"/>
               </a:ext>
             </a:extLst>
           </p:cNvPr>
@@ -2373,9 +2380,9 @@
           <a:bodyPr/>
           <a:lstStyle/>
           <a:p>
-            <a:fld id="{E95D2065-1626-9A4D-853B-B4A9C64B0991}" type="datetimeFigureOut">
+            <a:fld id="{E2103A60-17A8-CA4B-A625-E9DE09694588}" type="datetimeFigureOut">
               <a:rPr lang="en-US" smtClean="0"/>
-              <a:t>2/11/24</a:t>
+              <a:t>2/20/24</a:t>
             </a:fld>
             <a:endParaRPr lang="en-US"/>
           </a:p>
@@ -2386,7 +2393,7 @@
           <p:cNvPr id="6" name="Footer Placeholder 5">
             <a:extLst>
               <a:ext uri="{FF2B5EF4-FFF2-40B4-BE49-F238E27FC236}">
-                <a16:creationId xmlns:a16="http://schemas.microsoft.com/office/drawing/2014/main" id="{303B71C0-F402-5F12-9F48-50B144CF1C9C}"/>
+                <a16:creationId xmlns:a16="http://schemas.microsoft.com/office/drawing/2014/main" id="{EF798B0D-7C6E-6D4D-E0CB-D068E01CE6AC}"/>
               </a:ext>
             </a:extLst>
           </p:cNvPr>
@@ -2411,7 +2418,7 @@
           <p:cNvPr id="7" name="Slide Number Placeholder 6">
             <a:extLst>
               <a:ext uri="{FF2B5EF4-FFF2-40B4-BE49-F238E27FC236}">
-                <a16:creationId xmlns:a16="http://schemas.microsoft.com/office/drawing/2014/main" id="{37C23793-D7EC-EB9A-8739-2B5AFF5977EB}"/>
+                <a16:creationId xmlns:a16="http://schemas.microsoft.com/office/drawing/2014/main" id="{343AC3BA-B70D-EC0C-D949-43ACE0A09E1A}"/>
               </a:ext>
             </a:extLst>
           </p:cNvPr>
@@ -2427,7 +2434,7 @@
           <a:bodyPr/>
           <a:lstStyle/>
           <a:p>
-            <a:fld id="{07BDF4F2-C131-9148-9A5E-A754DDDA7BB8}" type="slidenum">
+            <a:fld id="{691FB538-18E1-5549-B57E-2C5338C9EEFE}" type="slidenum">
               <a:rPr lang="en-US" smtClean="0"/>
               <a:t>‹#›</a:t>
             </a:fld>
@@ -2438,7 +2445,7 @@
     </p:spTree>
     <p:extLst>
       <p:ext uri="{BB962C8B-B14F-4D97-AF65-F5344CB8AC3E}">
-        <p14:creationId xmlns:p14="http://schemas.microsoft.com/office/powerpoint/2010/main" val="763780947"/>
+        <p14:creationId xmlns:p14="http://schemas.microsoft.com/office/powerpoint/2010/main" val="2913637796"/>
       </p:ext>
     </p:extLst>
   </p:cSld>
@@ -2470,7 +2477,7 @@
           <p:cNvPr id="2" name="Title 1">
             <a:extLst>
               <a:ext uri="{FF2B5EF4-FFF2-40B4-BE49-F238E27FC236}">
-                <a16:creationId xmlns:a16="http://schemas.microsoft.com/office/drawing/2014/main" id="{11B29A77-FDD0-7EB6-D238-F801AF62E4E2}"/>
+                <a16:creationId xmlns:a16="http://schemas.microsoft.com/office/drawing/2014/main" id="{858F50FF-CB85-E7A5-15A7-CF5D1F21E728}"/>
               </a:ext>
             </a:extLst>
           </p:cNvPr>
@@ -2507,7 +2514,7 @@
           <p:cNvPr id="3" name="Picture Placeholder 2">
             <a:extLst>
               <a:ext uri="{FF2B5EF4-FFF2-40B4-BE49-F238E27FC236}">
-                <a16:creationId xmlns:a16="http://schemas.microsoft.com/office/drawing/2014/main" id="{205A21E9-BD72-C19D-4896-48657987A110}"/>
+                <a16:creationId xmlns:a16="http://schemas.microsoft.com/office/drawing/2014/main" id="{E361B909-82BF-F1DA-BE38-1A3C12D98801}"/>
               </a:ext>
             </a:extLst>
           </p:cNvPr>
@@ -2574,7 +2581,7 @@
           <p:cNvPr id="4" name="Text Placeholder 3">
             <a:extLst>
               <a:ext uri="{FF2B5EF4-FFF2-40B4-BE49-F238E27FC236}">
-                <a16:creationId xmlns:a16="http://schemas.microsoft.com/office/drawing/2014/main" id="{B17FE282-DAB6-96D2-C71B-6BC9D69DEACF}"/>
+                <a16:creationId xmlns:a16="http://schemas.microsoft.com/office/drawing/2014/main" id="{85D4DE53-DA07-DE40-21E8-EB41FC1FF382}"/>
               </a:ext>
             </a:extLst>
           </p:cNvPr>
@@ -2645,7 +2652,7 @@
           <p:cNvPr id="5" name="Date Placeholder 4">
             <a:extLst>
               <a:ext uri="{FF2B5EF4-FFF2-40B4-BE49-F238E27FC236}">
-                <a16:creationId xmlns:a16="http://schemas.microsoft.com/office/drawing/2014/main" id="{D72D506E-4849-469D-5D20-3F1774469EA4}"/>
+                <a16:creationId xmlns:a16="http://schemas.microsoft.com/office/drawing/2014/main" id="{ED55035A-DB21-D959-3EDB-8D3281CB471D}"/>
               </a:ext>
             </a:extLst>
           </p:cNvPr>
@@ -2661,9 +2668,9 @@
           <a:bodyPr/>
           <a:lstStyle/>
           <a:p>
-            <a:fld id="{E95D2065-1626-9A4D-853B-B4A9C64B0991}" type="datetimeFigureOut">
+            <a:fld id="{E2103A60-17A8-CA4B-A625-E9DE09694588}" type="datetimeFigureOut">
               <a:rPr lang="en-US" smtClean="0"/>
-              <a:t>2/11/24</a:t>
+              <a:t>2/20/24</a:t>
             </a:fld>
             <a:endParaRPr lang="en-US"/>
           </a:p>
@@ -2674,7 +2681,7 @@
           <p:cNvPr id="6" name="Footer Placeholder 5">
             <a:extLst>
               <a:ext uri="{FF2B5EF4-FFF2-40B4-BE49-F238E27FC236}">
-                <a16:creationId xmlns:a16="http://schemas.microsoft.com/office/drawing/2014/main" id="{6B6DC73B-373E-721C-4D4F-1750FC2CF552}"/>
+                <a16:creationId xmlns:a16="http://schemas.microsoft.com/office/drawing/2014/main" id="{E1179E68-03E8-ADE9-1345-9F3701F79F32}"/>
               </a:ext>
             </a:extLst>
           </p:cNvPr>
@@ -2699,7 +2706,7 @@
           <p:cNvPr id="7" name="Slide Number Placeholder 6">
             <a:extLst>
               <a:ext uri="{FF2B5EF4-FFF2-40B4-BE49-F238E27FC236}">
-                <a16:creationId xmlns:a16="http://schemas.microsoft.com/office/drawing/2014/main" id="{7783D9EB-AF80-5A89-A99B-825311663B54}"/>
+                <a16:creationId xmlns:a16="http://schemas.microsoft.com/office/drawing/2014/main" id="{4A59E21F-1E97-6F1F-4C50-4FCA6496D5AC}"/>
               </a:ext>
             </a:extLst>
           </p:cNvPr>
@@ -2715,7 +2722,7 @@
           <a:bodyPr/>
           <a:lstStyle/>
           <a:p>
-            <a:fld id="{07BDF4F2-C131-9148-9A5E-A754DDDA7BB8}" type="slidenum">
+            <a:fld id="{691FB538-18E1-5549-B57E-2C5338C9EEFE}" type="slidenum">
               <a:rPr lang="en-US" smtClean="0"/>
               <a:t>‹#›</a:t>
             </a:fld>
@@ -2726,7 +2733,7 @@
     </p:spTree>
     <p:extLst>
       <p:ext uri="{BB962C8B-B14F-4D97-AF65-F5344CB8AC3E}">
-        <p14:creationId xmlns:p14="http://schemas.microsoft.com/office/powerpoint/2010/main" val="13215887"/>
+        <p14:creationId xmlns:p14="http://schemas.microsoft.com/office/powerpoint/2010/main" val="2594113452"/>
       </p:ext>
     </p:extLst>
   </p:cSld>
@@ -2763,7 +2770,7 @@
           <p:cNvPr id="2" name="Title Placeholder 1">
             <a:extLst>
               <a:ext uri="{FF2B5EF4-FFF2-40B4-BE49-F238E27FC236}">
-                <a16:creationId xmlns:a16="http://schemas.microsoft.com/office/drawing/2014/main" id="{4B8C9132-9AF7-17CC-2CED-2180FCCB46F7}"/>
+                <a16:creationId xmlns:a16="http://schemas.microsoft.com/office/drawing/2014/main" id="{89219A02-48C6-4289-27CF-645DF1C23B15}"/>
               </a:ext>
             </a:extLst>
           </p:cNvPr>
@@ -2801,7 +2808,7 @@
           <p:cNvPr id="3" name="Text Placeholder 2">
             <a:extLst>
               <a:ext uri="{FF2B5EF4-FFF2-40B4-BE49-F238E27FC236}">
-                <a16:creationId xmlns:a16="http://schemas.microsoft.com/office/drawing/2014/main" id="{9565A6D7-0525-99B9-5EC6-7F76943AEF1E}"/>
+                <a16:creationId xmlns:a16="http://schemas.microsoft.com/office/drawing/2014/main" id="{8C76C40A-80F2-BBBD-5BA8-CF90D6CACDC0}"/>
               </a:ext>
             </a:extLst>
           </p:cNvPr>
@@ -2868,7 +2875,7 @@
           <p:cNvPr id="4" name="Date Placeholder 3">
             <a:extLst>
               <a:ext uri="{FF2B5EF4-FFF2-40B4-BE49-F238E27FC236}">
-                <a16:creationId xmlns:a16="http://schemas.microsoft.com/office/drawing/2014/main" id="{B249BB6B-6548-84A6-51DB-CCFA928B10EF}"/>
+                <a16:creationId xmlns:a16="http://schemas.microsoft.com/office/drawing/2014/main" id="{A6432689-D652-4ED5-2EF4-16F0062D339F}"/>
               </a:ext>
             </a:extLst>
           </p:cNvPr>
@@ -2902,9 +2909,9 @@
             </a:lvl1pPr>
           </a:lstStyle>
           <a:p>
-            <a:fld id="{E95D2065-1626-9A4D-853B-B4A9C64B0991}" type="datetimeFigureOut">
+            <a:fld id="{E2103A60-17A8-CA4B-A625-E9DE09694588}" type="datetimeFigureOut">
               <a:rPr lang="en-US" smtClean="0"/>
-              <a:t>2/11/24</a:t>
+              <a:t>2/20/24</a:t>
             </a:fld>
             <a:endParaRPr lang="en-US"/>
           </a:p>
@@ -2915,7 +2922,7 @@
           <p:cNvPr id="5" name="Footer Placeholder 4">
             <a:extLst>
               <a:ext uri="{FF2B5EF4-FFF2-40B4-BE49-F238E27FC236}">
-                <a16:creationId xmlns:a16="http://schemas.microsoft.com/office/drawing/2014/main" id="{C464427F-650A-75EF-2F5B-F58F6A6F5250}"/>
+                <a16:creationId xmlns:a16="http://schemas.microsoft.com/office/drawing/2014/main" id="{5F116B13-4515-2E91-67D1-13AC7B0F4390}"/>
               </a:ext>
             </a:extLst>
           </p:cNvPr>
@@ -2958,7 +2965,7 @@
           <p:cNvPr id="6" name="Slide Number Placeholder 5">
             <a:extLst>
               <a:ext uri="{FF2B5EF4-FFF2-40B4-BE49-F238E27FC236}">
-                <a16:creationId xmlns:a16="http://schemas.microsoft.com/office/drawing/2014/main" id="{6994F8CA-6A3F-14A4-5281-165DC17D6AC1}"/>
+                <a16:creationId xmlns:a16="http://schemas.microsoft.com/office/drawing/2014/main" id="{0F567B46-9E99-E03B-15B6-E50C7858201A}"/>
               </a:ext>
             </a:extLst>
           </p:cNvPr>
@@ -2992,7 +2999,7 @@
             </a:lvl1pPr>
           </a:lstStyle>
           <a:p>
-            <a:fld id="{07BDF4F2-C131-9148-9A5E-A754DDDA7BB8}" type="slidenum">
+            <a:fld id="{691FB538-18E1-5549-B57E-2C5338C9EEFE}" type="slidenum">
               <a:rPr lang="en-US" smtClean="0"/>
               <a:t>‹#›</a:t>
             </a:fld>
@@ -3003,7 +3010,7 @@
     </p:spTree>
     <p:extLst>
       <p:ext uri="{BB962C8B-B14F-4D97-AF65-F5344CB8AC3E}">
-        <p14:creationId xmlns:p14="http://schemas.microsoft.com/office/powerpoint/2010/main" val="584571998"/>
+        <p14:creationId xmlns:p14="http://schemas.microsoft.com/office/powerpoint/2010/main" val="2852073339"/>
       </p:ext>
     </p:extLst>
   </p:cSld>
@@ -3323,234 +3330,10 @@
       </p:grpSpPr>
       <p:pic>
         <p:nvPicPr>
-          <p:cNvPr id="7" name="Picture 6">
-            <a:extLst>
-              <a:ext uri="{FF2B5EF4-FFF2-40B4-BE49-F238E27FC236}">
-                <a16:creationId xmlns:a16="http://schemas.microsoft.com/office/drawing/2014/main" id="{D3630EAD-DEAB-293C-11D9-F01B48C88843}"/>
-              </a:ext>
-            </a:extLst>
-          </p:cNvPr>
-          <p:cNvPicPr>
-            <a:picLocks noChangeAspect="1"/>
-          </p:cNvPicPr>
-          <p:nvPr/>
-        </p:nvPicPr>
-        <p:blipFill rotWithShape="1">
-          <a:blip r:embed="rId2"/>
-          <a:srcRect r="21636" b="29000"/>
-          <a:stretch/>
-        </p:blipFill>
-        <p:spPr>
-          <a:xfrm>
-            <a:off x="2209800" y="801423"/>
-            <a:ext cx="6090745" cy="3731163"/>
-          </a:xfrm>
-          <a:prstGeom prst="rect">
-            <a:avLst/>
-          </a:prstGeom>
-        </p:spPr>
-      </p:pic>
-      <p:grpSp>
-        <p:nvGrpSpPr>
-          <p:cNvPr id="8" name="Group 7">
-            <a:extLst>
-              <a:ext uri="{FF2B5EF4-FFF2-40B4-BE49-F238E27FC236}">
-                <a16:creationId xmlns:a16="http://schemas.microsoft.com/office/drawing/2014/main" id="{34C48F95-B70A-DE1D-9B3E-8E34362524F7}"/>
-              </a:ext>
-            </a:extLst>
-          </p:cNvPr>
-          <p:cNvGrpSpPr/>
-          <p:nvPr/>
-        </p:nvGrpSpPr>
-        <p:grpSpPr>
-          <a:xfrm>
-            <a:off x="1433426" y="956777"/>
-            <a:ext cx="7292786" cy="4167016"/>
-            <a:chOff x="1149350" y="959440"/>
-            <a:chExt cx="9068192" cy="5097137"/>
-          </a:xfrm>
-        </p:grpSpPr>
-        <p:pic>
-          <p:nvPicPr>
-            <p:cNvPr id="4" name="Picture 3">
-              <a:extLst>
-                <a:ext uri="{FF2B5EF4-FFF2-40B4-BE49-F238E27FC236}">
-                  <a16:creationId xmlns:a16="http://schemas.microsoft.com/office/drawing/2014/main" id="{61818E40-3EA4-C7D8-A213-44091EE76646}"/>
-                </a:ext>
-              </a:extLst>
-            </p:cNvPr>
-            <p:cNvPicPr>
-              <a:picLocks noChangeAspect="1"/>
-            </p:cNvPicPr>
-            <p:nvPr/>
-          </p:nvPicPr>
-          <p:blipFill rotWithShape="1">
-            <a:blip r:embed="rId3"/>
-            <a:srcRect t="11640" b="3584"/>
-            <a:stretch/>
-          </p:blipFill>
-          <p:spPr>
-            <a:xfrm>
-              <a:off x="2445142" y="959440"/>
-              <a:ext cx="7772400" cy="4464923"/>
-            </a:xfrm>
-            <a:prstGeom prst="rect">
-              <a:avLst/>
-            </a:prstGeom>
-          </p:spPr>
-        </p:pic>
-        <p:pic>
-          <p:nvPicPr>
-            <p:cNvPr id="5" name="Picture 4">
-              <a:extLst>
-                <a:ext uri="{FF2B5EF4-FFF2-40B4-BE49-F238E27FC236}">
-                  <a16:creationId xmlns:a16="http://schemas.microsoft.com/office/drawing/2014/main" id="{F075017C-0A55-6560-F5D8-85C88E7F937F}"/>
-                </a:ext>
-              </a:extLst>
-            </p:cNvPr>
-            <p:cNvPicPr>
-              <a:picLocks noChangeAspect="1"/>
-            </p:cNvPicPr>
-            <p:nvPr/>
-          </p:nvPicPr>
-          <p:blipFill rotWithShape="1">
-            <a:blip r:embed="rId4"/>
-            <a:srcRect b="64567"/>
-            <a:stretch/>
-          </p:blipFill>
-          <p:spPr>
-            <a:xfrm>
-              <a:off x="1149350" y="5948769"/>
-              <a:ext cx="2578100" cy="107808"/>
-            </a:xfrm>
-            <a:prstGeom prst="rect">
-              <a:avLst/>
-            </a:prstGeom>
-          </p:spPr>
-        </p:pic>
-      </p:grpSp>
-      <p:sp>
-        <p:nvSpPr>
-          <p:cNvPr id="6" name="TextBox 5">
-            <a:extLst>
-              <a:ext uri="{FF2B5EF4-FFF2-40B4-BE49-F238E27FC236}">
-                <a16:creationId xmlns:a16="http://schemas.microsoft.com/office/drawing/2014/main" id="{8F8EB32B-DDB3-D8B3-A704-CF53EAD4E359}"/>
-              </a:ext>
-            </a:extLst>
-          </p:cNvPr>
-          <p:cNvSpPr txBox="1"/>
-          <p:nvPr/>
-        </p:nvSpPr>
-        <p:spPr>
-          <a:xfrm>
-            <a:off x="7942508" y="4687120"/>
-            <a:ext cx="952505" cy="184666"/>
-          </a:xfrm>
-          <a:prstGeom prst="rect">
-            <a:avLst/>
-          </a:prstGeom>
-          <a:noFill/>
-        </p:spPr>
-        <p:txBody>
-          <a:bodyPr wrap="none" rtlCol="0">
-            <a:spAutoFit/>
-          </a:bodyPr>
-          <a:lstStyle/>
-          <a:p>
-            <a:r>
-              <a:rPr lang="en-US" sz="600" dirty="0"/>
-              <a:t>0             0.8          1.6 km</a:t>
-            </a:r>
-          </a:p>
-        </p:txBody>
-      </p:sp>
-      <p:pic>
-        <p:nvPicPr>
-          <p:cNvPr id="9" name="Picture 8">
-            <a:extLst>
-              <a:ext uri="{FF2B5EF4-FFF2-40B4-BE49-F238E27FC236}">
-                <a16:creationId xmlns:a16="http://schemas.microsoft.com/office/drawing/2014/main" id="{43764853-307B-35F8-3D75-29EEA15640B3}"/>
-              </a:ext>
-            </a:extLst>
-          </p:cNvPr>
-          <p:cNvPicPr>
-            <a:picLocks noChangeAspect="1"/>
-          </p:cNvPicPr>
-          <p:nvPr/>
-        </p:nvPicPr>
-        <p:blipFill rotWithShape="1">
-          <a:blip r:embed="rId5"/>
-          <a:srcRect t="1" b="12548"/>
-          <a:stretch/>
-        </p:blipFill>
-        <p:spPr>
-          <a:xfrm>
-            <a:off x="7956489" y="4611875"/>
-            <a:ext cx="907056" cy="127941"/>
-          </a:xfrm>
-          <a:prstGeom prst="rect">
-            <a:avLst/>
-          </a:prstGeom>
-        </p:spPr>
-      </p:pic>
-      <p:sp>
-        <p:nvSpPr>
-          <p:cNvPr id="10" name="Rectangle 9">
-            <a:extLst>
-              <a:ext uri="{FF2B5EF4-FFF2-40B4-BE49-F238E27FC236}">
-                <a16:creationId xmlns:a16="http://schemas.microsoft.com/office/drawing/2014/main" id="{A7B421F3-6D83-FA18-2C1F-7F1EFCFE6CD9}"/>
-              </a:ext>
-            </a:extLst>
-          </p:cNvPr>
-          <p:cNvSpPr/>
-          <p:nvPr/>
-        </p:nvSpPr>
-        <p:spPr>
-          <a:xfrm>
-            <a:off x="2467774" y="956777"/>
-            <a:ext cx="6389871" cy="3929548"/>
-          </a:xfrm>
-          <a:prstGeom prst="rect">
-            <a:avLst/>
-          </a:prstGeom>
-          <a:noFill/>
-          <a:ln>
-            <a:solidFill>
-              <a:schemeClr val="tx1"/>
-            </a:solidFill>
-          </a:ln>
-        </p:spPr>
-        <p:style>
-          <a:lnRef idx="2">
-            <a:schemeClr val="accent1">
-              <a:shade val="50000"/>
-            </a:schemeClr>
-          </a:lnRef>
-          <a:fillRef idx="1">
-            <a:schemeClr val="accent1"/>
-          </a:fillRef>
-          <a:effectRef idx="0">
-            <a:schemeClr val="accent1"/>
-          </a:effectRef>
-          <a:fontRef idx="minor">
-            <a:schemeClr val="lt1"/>
-          </a:fontRef>
-        </p:style>
-        <p:txBody>
-          <a:bodyPr rtlCol="0" anchor="ctr"/>
-          <a:lstStyle/>
-          <a:p>
-            <a:pPr algn="ctr"/>
-            <a:endParaRPr lang="en-US"/>
-          </a:p>
-        </p:txBody>
-      </p:sp>
-      <p:pic>
-        <p:nvPicPr>
-          <p:cNvPr id="11" name="Picture 10">
-            <a:extLst>
-              <a:ext uri="{FF2B5EF4-FFF2-40B4-BE49-F238E27FC236}">
-                <a16:creationId xmlns:a16="http://schemas.microsoft.com/office/drawing/2014/main" id="{E3F594AF-4324-BD38-5572-D0E36EE9DBCA}"/>
+          <p:cNvPr id="12" name="Picture 11" descr="A graph showing a number of species&#10;&#10;Description automatically generated">
+            <a:extLst>
+              <a:ext uri="{FF2B5EF4-FFF2-40B4-BE49-F238E27FC236}">
+                <a16:creationId xmlns:a16="http://schemas.microsoft.com/office/drawing/2014/main" id="{30C457E3-E49F-B3B0-A599-105F07AE6643}"/>
               </a:ext>
             </a:extLst>
           </p:cNvPr>
@@ -3560,15 +3343,15 @@
           <p:nvPr/>
         </p:nvPicPr>
         <p:blipFill>
-          <a:blip r:embed="rId6"/>
+          <a:blip r:embed="rId2"/>
           <a:stretch>
             <a:fillRect/>
           </a:stretch>
         </p:blipFill>
         <p:spPr>
           <a:xfrm>
-            <a:off x="7322648" y="1061514"/>
-            <a:ext cx="1418373" cy="1642326"/>
+            <a:off x="1718423" y="0"/>
+            <a:ext cx="7715250" cy="6858000"/>
           </a:xfrm>
           <a:prstGeom prst="rect">
             <a:avLst/>
@@ -3577,62 +3360,48 @@
       </p:pic>
       <p:sp>
         <p:nvSpPr>
-          <p:cNvPr id="12" name="Rectangle 11">
-            <a:extLst>
-              <a:ext uri="{FF2B5EF4-FFF2-40B4-BE49-F238E27FC236}">
-                <a16:creationId xmlns:a16="http://schemas.microsoft.com/office/drawing/2014/main" id="{251BC48F-C427-75BB-B076-27A165AC8D1B}"/>
-              </a:ext>
-            </a:extLst>
-          </p:cNvPr>
-          <p:cNvSpPr/>
+          <p:cNvPr id="6" name="TextBox 5">
+            <a:extLst>
+              <a:ext uri="{FF2B5EF4-FFF2-40B4-BE49-F238E27FC236}">
+                <a16:creationId xmlns:a16="http://schemas.microsoft.com/office/drawing/2014/main" id="{D74483F5-776E-2837-7814-D7264B0042E1}"/>
+              </a:ext>
+            </a:extLst>
+          </p:cNvPr>
+          <p:cNvSpPr txBox="1"/>
           <p:nvPr/>
         </p:nvSpPr>
         <p:spPr>
           <a:xfrm>
-            <a:off x="7322648" y="1061514"/>
-            <a:ext cx="1403564" cy="1642326"/>
+            <a:off x="6945024" y="258444"/>
+            <a:ext cx="351378" cy="369332"/>
           </a:xfrm>
           <a:prstGeom prst="rect">
             <a:avLst/>
           </a:prstGeom>
           <a:noFill/>
-          <a:ln w="9525">
-            <a:solidFill>
-              <a:schemeClr val="tx1"/>
-            </a:solidFill>
-          </a:ln>
-        </p:spPr>
-        <p:style>
-          <a:lnRef idx="2">
-            <a:schemeClr val="accent1">
-              <a:shade val="50000"/>
-            </a:schemeClr>
-          </a:lnRef>
-          <a:fillRef idx="1">
-            <a:schemeClr val="accent1"/>
-          </a:fillRef>
-          <a:effectRef idx="0">
-            <a:schemeClr val="accent1"/>
-          </a:effectRef>
-          <a:fontRef idx="minor">
-            <a:schemeClr val="lt1"/>
-          </a:fontRef>
-        </p:style>
-        <p:txBody>
-          <a:bodyPr rtlCol="0" anchor="ctr"/>
-          <a:lstStyle/>
-          <a:p>
-            <a:pPr algn="ctr"/>
-            <a:endParaRPr lang="en-US" sz="1400" dirty="0"/>
-          </a:p>
-        </p:txBody>
-      </p:sp>
-      <p:sp>
-        <p:nvSpPr>
-          <p:cNvPr id="13" name="TextBox 12">
-            <a:extLst>
-              <a:ext uri="{FF2B5EF4-FFF2-40B4-BE49-F238E27FC236}">
-                <a16:creationId xmlns:a16="http://schemas.microsoft.com/office/drawing/2014/main" id="{A4945627-6F4C-A602-576D-2B52A95EC622}"/>
+        </p:spPr>
+        <p:txBody>
+          <a:bodyPr wrap="none" rtlCol="0">
+            <a:spAutoFit/>
+          </a:bodyPr>
+          <a:lstStyle/>
+          <a:p>
+            <a:r>
+              <a:rPr lang="en-US" dirty="0">
+                <a:latin typeface="Times New Roman" panose="02020603050405020304" pitchFamily="18" charset="0"/>
+                <a:cs typeface="Times New Roman" panose="02020603050405020304" pitchFamily="18" charset="0"/>
+              </a:rPr>
+              <a:t>A</a:t>
+            </a:r>
+          </a:p>
+        </p:txBody>
+      </p:sp>
+      <p:sp>
+        <p:nvSpPr>
+          <p:cNvPr id="7" name="TextBox 6">
+            <a:extLst>
+              <a:ext uri="{FF2B5EF4-FFF2-40B4-BE49-F238E27FC236}">
+                <a16:creationId xmlns:a16="http://schemas.microsoft.com/office/drawing/2014/main" id="{558CBF13-9782-9577-33A2-E94AF0227EEA}"/>
               </a:ext>
             </a:extLst>
           </p:cNvPr>
@@ -3640,9 +3409,9 @@
           <p:nvPr/>
         </p:nvSpPr>
         <p:spPr>
-          <a:xfrm rot="2995904">
-            <a:off x="7482123" y="1753976"/>
-            <a:ext cx="1082843" cy="369332"/>
+          <a:xfrm>
+            <a:off x="6966813" y="1142361"/>
+            <a:ext cx="338554" cy="369332"/>
           </a:xfrm>
           <a:prstGeom prst="rect">
             <a:avLst/>
@@ -3650,76 +3419,27 @@
           <a:noFill/>
         </p:spPr>
         <p:txBody>
-          <a:bodyPr wrap="square" rtlCol="0">
+          <a:bodyPr wrap="none" rtlCol="0">
             <a:spAutoFit/>
           </a:bodyPr>
           <a:lstStyle/>
           <a:p>
             <a:r>
-              <a:rPr lang="en-US" dirty="0"/>
-              <a:t>California</a:t>
-            </a:r>
-          </a:p>
-        </p:txBody>
-      </p:sp>
-      <p:sp>
-        <p:nvSpPr>
-          <p:cNvPr id="15" name="Oval 14">
-            <a:extLst>
-              <a:ext uri="{FF2B5EF4-FFF2-40B4-BE49-F238E27FC236}">
-                <a16:creationId xmlns:a16="http://schemas.microsoft.com/office/drawing/2014/main" id="{FB90DE78-B59A-0B1F-CBA3-148EA5FF99EC}"/>
-              </a:ext>
-            </a:extLst>
-          </p:cNvPr>
-          <p:cNvSpPr/>
-          <p:nvPr/>
-        </p:nvSpPr>
-        <p:spPr>
-          <a:xfrm>
-            <a:off x="7917995" y="2495421"/>
-            <a:ext cx="152795" cy="136596"/>
-          </a:xfrm>
-          <a:prstGeom prst="ellipse">
-            <a:avLst/>
-          </a:prstGeom>
-          <a:noFill/>
-          <a:ln>
-            <a:solidFill>
-              <a:schemeClr val="tx1"/>
-            </a:solidFill>
-          </a:ln>
-        </p:spPr>
-        <p:style>
-          <a:lnRef idx="2">
-            <a:schemeClr val="accent1">
-              <a:shade val="50000"/>
-            </a:schemeClr>
-          </a:lnRef>
-          <a:fillRef idx="1">
-            <a:schemeClr val="accent1"/>
-          </a:fillRef>
-          <a:effectRef idx="0">
-            <a:schemeClr val="accent1"/>
-          </a:effectRef>
-          <a:fontRef idx="minor">
-            <a:schemeClr val="lt1"/>
-          </a:fontRef>
-        </p:style>
-        <p:txBody>
-          <a:bodyPr rtlCol="0" anchor="ctr"/>
-          <a:lstStyle/>
-          <a:p>
-            <a:pPr algn="ctr"/>
-            <a:endParaRPr lang="en-US"/>
-          </a:p>
-        </p:txBody>
-      </p:sp>
-      <p:sp>
-        <p:nvSpPr>
-          <p:cNvPr id="16" name="TextBox 15">
-            <a:extLst>
-              <a:ext uri="{FF2B5EF4-FFF2-40B4-BE49-F238E27FC236}">
-                <a16:creationId xmlns:a16="http://schemas.microsoft.com/office/drawing/2014/main" id="{C941C7B3-92EC-4B8F-704D-ABD28B186AB5}"/>
+              <a:rPr lang="en-US" dirty="0">
+                <a:latin typeface="Times New Roman" panose="02020603050405020304" pitchFamily="18" charset="0"/>
+                <a:cs typeface="Times New Roman" panose="02020603050405020304" pitchFamily="18" charset="0"/>
+              </a:rPr>
+              <a:t>B</a:t>
+            </a:r>
+          </a:p>
+        </p:txBody>
+      </p:sp>
+      <p:sp>
+        <p:nvSpPr>
+          <p:cNvPr id="8" name="TextBox 7">
+            <a:extLst>
+              <a:ext uri="{FF2B5EF4-FFF2-40B4-BE49-F238E27FC236}">
+                <a16:creationId xmlns:a16="http://schemas.microsoft.com/office/drawing/2014/main" id="{96B993DD-82B0-70BF-14A6-9CD284140543}"/>
               </a:ext>
             </a:extLst>
           </p:cNvPr>
@@ -3728,8 +3448,8 @@
         </p:nvSpPr>
         <p:spPr>
           <a:xfrm>
-            <a:off x="7256292" y="2395994"/>
-            <a:ext cx="740908" cy="184666"/>
+            <a:off x="6947577" y="2010971"/>
+            <a:ext cx="338554" cy="369332"/>
           </a:xfrm>
           <a:prstGeom prst="rect">
             <a:avLst/>
@@ -3743,56 +3463,21 @@
           <a:lstStyle/>
           <a:p>
             <a:r>
-              <a:rPr lang="en-US" sz="600" dirty="0"/>
-              <a:t>San Nicolas Island</a:t>
-            </a:r>
-          </a:p>
-        </p:txBody>
-      </p:sp>
-      <p:cxnSp>
-        <p:nvCxnSpPr>
-          <p:cNvPr id="18" name="Straight Connector 17">
-            <a:extLst>
-              <a:ext uri="{FF2B5EF4-FFF2-40B4-BE49-F238E27FC236}">
-                <a16:creationId xmlns:a16="http://schemas.microsoft.com/office/drawing/2014/main" id="{782A2076-684B-8E19-E1D7-1538AE606478}"/>
-              </a:ext>
-            </a:extLst>
-          </p:cNvPr>
-          <p:cNvCxnSpPr>
-            <a:cxnSpLocks/>
-          </p:cNvCxnSpPr>
-          <p:nvPr/>
-        </p:nvCxnSpPr>
-        <p:spPr>
-          <a:xfrm>
-            <a:off x="7830743" y="2538745"/>
-            <a:ext cx="99719" cy="51290"/>
-          </a:xfrm>
-          <a:prstGeom prst="line">
-            <a:avLst/>
-          </a:prstGeom>
-        </p:spPr>
-        <p:style>
-          <a:lnRef idx="1">
-            <a:schemeClr val="dk1"/>
-          </a:lnRef>
-          <a:fillRef idx="0">
-            <a:schemeClr val="dk1"/>
-          </a:fillRef>
-          <a:effectRef idx="0">
-            <a:schemeClr val="dk1"/>
-          </a:effectRef>
-          <a:fontRef idx="minor">
-            <a:schemeClr val="tx1"/>
-          </a:fontRef>
-        </p:style>
-      </p:cxnSp>
-      <p:sp>
-        <p:nvSpPr>
-          <p:cNvPr id="21" name="TextBox 20">
-            <a:extLst>
-              <a:ext uri="{FF2B5EF4-FFF2-40B4-BE49-F238E27FC236}">
-                <a16:creationId xmlns:a16="http://schemas.microsoft.com/office/drawing/2014/main" id="{3A2AA453-E69E-706D-13E1-F14F5E8D7384}"/>
+              <a:rPr lang="en-US" dirty="0">
+                <a:latin typeface="Times New Roman" panose="02020603050405020304" pitchFamily="18" charset="0"/>
+                <a:cs typeface="Times New Roman" panose="02020603050405020304" pitchFamily="18" charset="0"/>
+              </a:rPr>
+              <a:t>C</a:t>
+            </a:r>
+          </a:p>
+        </p:txBody>
+      </p:sp>
+      <p:sp>
+        <p:nvSpPr>
+          <p:cNvPr id="9" name="TextBox 8">
+            <a:extLst>
+              <a:ext uri="{FF2B5EF4-FFF2-40B4-BE49-F238E27FC236}">
+                <a16:creationId xmlns:a16="http://schemas.microsoft.com/office/drawing/2014/main" id="{5B0AF1F7-740C-4E50-CAE2-9E40E08FA4DB}"/>
               </a:ext>
             </a:extLst>
           </p:cNvPr>
@@ -3801,8 +3486,8 @@
         </p:nvSpPr>
         <p:spPr>
           <a:xfrm>
-            <a:off x="4496707" y="951847"/>
-            <a:ext cx="2347502" cy="369332"/>
+            <a:off x="6953989" y="2895015"/>
+            <a:ext cx="351378" cy="369332"/>
           </a:xfrm>
           <a:prstGeom prst="rect">
             <a:avLst/>
@@ -3816,18 +3501,21 @@
           <a:lstStyle/>
           <a:p>
             <a:r>
-              <a:rPr lang="en-US" dirty="0"/>
-              <a:t>San Nicolas Island Sites</a:t>
-            </a:r>
-          </a:p>
-        </p:txBody>
-      </p:sp>
-      <p:sp>
-        <p:nvSpPr>
-          <p:cNvPr id="22" name="TextBox 21">
-            <a:extLst>
-              <a:ext uri="{FF2B5EF4-FFF2-40B4-BE49-F238E27FC236}">
-                <a16:creationId xmlns:a16="http://schemas.microsoft.com/office/drawing/2014/main" id="{3A935418-0BAD-B05D-766F-ED0367EB6CD1}"/>
+              <a:rPr lang="en-US" dirty="0">
+                <a:latin typeface="Times New Roman" panose="02020603050405020304" pitchFamily="18" charset="0"/>
+                <a:cs typeface="Times New Roman" panose="02020603050405020304" pitchFamily="18" charset="0"/>
+              </a:rPr>
+              <a:t>D</a:t>
+            </a:r>
+          </a:p>
+        </p:txBody>
+      </p:sp>
+      <p:sp>
+        <p:nvSpPr>
+          <p:cNvPr id="10" name="TextBox 9">
+            <a:extLst>
+              <a:ext uri="{FF2B5EF4-FFF2-40B4-BE49-F238E27FC236}">
+                <a16:creationId xmlns:a16="http://schemas.microsoft.com/office/drawing/2014/main" id="{4484932C-ECC9-6D49-C3C3-BB57A3D7999B}"/>
               </a:ext>
             </a:extLst>
           </p:cNvPr>
@@ -3836,8 +3524,8 @@
         </p:nvSpPr>
         <p:spPr>
           <a:xfrm>
-            <a:off x="2377561" y="4848892"/>
-            <a:ext cx="6315414" cy="307777"/>
+            <a:off x="2922057" y="3230020"/>
+            <a:ext cx="300082" cy="369332"/>
           </a:xfrm>
           <a:prstGeom prst="rect">
             <a:avLst/>
@@ -3845,31 +3533,881 @@
           <a:noFill/>
         </p:spPr>
         <p:txBody>
-          <a:bodyPr wrap="square" rtlCol="0">
+          <a:bodyPr wrap="none" rtlCol="0">
             <a:spAutoFit/>
           </a:bodyPr>
           <a:lstStyle/>
           <a:p>
             <a:r>
-              <a:rPr lang="en-US" sz="600" dirty="0">
-                <a:solidFill>
-                  <a:srgbClr val="141413"/>
-                </a:solidFill>
-                <a:effectLst/>
-                <a:latin typeface="Helvetica" pitchFamily="2" charset="0"/>
+              <a:rPr lang="en-US" dirty="0"/>
+              <a:t>*</a:t>
+            </a:r>
+          </a:p>
+        </p:txBody>
+      </p:sp>
+      <p:sp>
+        <p:nvSpPr>
+          <p:cNvPr id="13" name="TextBox 12">
+            <a:extLst>
+              <a:ext uri="{FF2B5EF4-FFF2-40B4-BE49-F238E27FC236}">
+                <a16:creationId xmlns:a16="http://schemas.microsoft.com/office/drawing/2014/main" id="{5158FAC3-2E80-FF13-315B-C5A3B18978D9}"/>
+              </a:ext>
+            </a:extLst>
+          </p:cNvPr>
+          <p:cNvSpPr txBox="1"/>
+          <p:nvPr/>
+        </p:nvSpPr>
+        <p:spPr>
+          <a:xfrm>
+            <a:off x="6966813" y="3767979"/>
+            <a:ext cx="325730" cy="369332"/>
+          </a:xfrm>
+          <a:prstGeom prst="rect">
+            <a:avLst/>
+          </a:prstGeom>
+          <a:noFill/>
+        </p:spPr>
+        <p:txBody>
+          <a:bodyPr wrap="none" rtlCol="0">
+            <a:spAutoFit/>
+          </a:bodyPr>
+          <a:lstStyle/>
+          <a:p>
+            <a:r>
+              <a:rPr lang="en-US" dirty="0">
+                <a:latin typeface="Times New Roman" panose="02020603050405020304" pitchFamily="18" charset="0"/>
+                <a:cs typeface="Times New Roman" panose="02020603050405020304" pitchFamily="18" charset="0"/>
               </a:rPr>
-              <a:t>Map image is the intellectual property of Esri and is used herein under license. Copyright © 2024 Esri and its licensors. All rights reserved.</a:t>
-            </a:r>
-          </a:p>
-          <a:p>
-            <a:endParaRPr lang="en-US" sz="800" dirty="0"/>
+              <a:t>E</a:t>
+            </a:r>
+          </a:p>
+        </p:txBody>
+      </p:sp>
+      <p:sp>
+        <p:nvSpPr>
+          <p:cNvPr id="11" name="TextBox 10">
+            <a:extLst>
+              <a:ext uri="{FF2B5EF4-FFF2-40B4-BE49-F238E27FC236}">
+                <a16:creationId xmlns:a16="http://schemas.microsoft.com/office/drawing/2014/main" id="{E98FC413-1E29-B5F1-7C69-DCDA65EDB0EC}"/>
+              </a:ext>
+            </a:extLst>
+          </p:cNvPr>
+          <p:cNvSpPr txBox="1"/>
+          <p:nvPr/>
+        </p:nvSpPr>
+        <p:spPr>
+          <a:xfrm>
+            <a:off x="4036124" y="3224028"/>
+            <a:ext cx="300082" cy="369332"/>
+          </a:xfrm>
+          <a:prstGeom prst="rect">
+            <a:avLst/>
+          </a:prstGeom>
+          <a:noFill/>
+        </p:spPr>
+        <p:txBody>
+          <a:bodyPr wrap="none" rtlCol="0">
+            <a:spAutoFit/>
+          </a:bodyPr>
+          <a:lstStyle/>
+          <a:p>
+            <a:r>
+              <a:rPr lang="en-US" dirty="0"/>
+              <a:t>*</a:t>
+            </a:r>
+          </a:p>
+        </p:txBody>
+      </p:sp>
+      <p:sp>
+        <p:nvSpPr>
+          <p:cNvPr id="14" name="TextBox 13">
+            <a:extLst>
+              <a:ext uri="{FF2B5EF4-FFF2-40B4-BE49-F238E27FC236}">
+                <a16:creationId xmlns:a16="http://schemas.microsoft.com/office/drawing/2014/main" id="{5778FFC1-6924-5A20-24AD-EB5469A042F4}"/>
+              </a:ext>
+            </a:extLst>
+          </p:cNvPr>
+          <p:cNvSpPr txBox="1"/>
+          <p:nvPr/>
+        </p:nvSpPr>
+        <p:spPr>
+          <a:xfrm>
+            <a:off x="6966813" y="4647669"/>
+            <a:ext cx="312906" cy="369332"/>
+          </a:xfrm>
+          <a:prstGeom prst="rect">
+            <a:avLst/>
+          </a:prstGeom>
+          <a:noFill/>
+        </p:spPr>
+        <p:txBody>
+          <a:bodyPr wrap="none" rtlCol="0">
+            <a:spAutoFit/>
+          </a:bodyPr>
+          <a:lstStyle/>
+          <a:p>
+            <a:r>
+              <a:rPr lang="en-US" dirty="0">
+                <a:latin typeface="Times New Roman" panose="02020603050405020304" pitchFamily="18" charset="0"/>
+                <a:cs typeface="Times New Roman" panose="02020603050405020304" pitchFamily="18" charset="0"/>
+              </a:rPr>
+              <a:t>F</a:t>
+            </a:r>
+          </a:p>
+        </p:txBody>
+      </p:sp>
+      <p:sp>
+        <p:nvSpPr>
+          <p:cNvPr id="15" name="TextBox 14">
+            <a:extLst>
+              <a:ext uri="{FF2B5EF4-FFF2-40B4-BE49-F238E27FC236}">
+                <a16:creationId xmlns:a16="http://schemas.microsoft.com/office/drawing/2014/main" id="{F57DBF9E-0F1E-96C1-98B7-3688CA581AB6}"/>
+              </a:ext>
+            </a:extLst>
+          </p:cNvPr>
+          <p:cNvSpPr txBox="1"/>
+          <p:nvPr/>
+        </p:nvSpPr>
+        <p:spPr>
+          <a:xfrm>
+            <a:off x="6957848" y="5527359"/>
+            <a:ext cx="351378" cy="369332"/>
+          </a:xfrm>
+          <a:prstGeom prst="rect">
+            <a:avLst/>
+          </a:prstGeom>
+          <a:noFill/>
+        </p:spPr>
+        <p:txBody>
+          <a:bodyPr wrap="none" rtlCol="0">
+            <a:spAutoFit/>
+          </a:bodyPr>
+          <a:lstStyle/>
+          <a:p>
+            <a:r>
+              <a:rPr lang="en-US" dirty="0">
+                <a:latin typeface="Times New Roman" panose="02020603050405020304" pitchFamily="18" charset="0"/>
+                <a:cs typeface="Times New Roman" panose="02020603050405020304" pitchFamily="18" charset="0"/>
+              </a:rPr>
+              <a:t>G</a:t>
+            </a:r>
+          </a:p>
+        </p:txBody>
+      </p:sp>
+      <p:sp>
+        <p:nvSpPr>
+          <p:cNvPr id="2" name="TextBox 1">
+            <a:extLst>
+              <a:ext uri="{FF2B5EF4-FFF2-40B4-BE49-F238E27FC236}">
+                <a16:creationId xmlns:a16="http://schemas.microsoft.com/office/drawing/2014/main" id="{CF712754-D648-598E-B30E-90D51A1FC65E}"/>
+              </a:ext>
+            </a:extLst>
+          </p:cNvPr>
+          <p:cNvSpPr txBox="1"/>
+          <p:nvPr/>
+        </p:nvSpPr>
+        <p:spPr>
+          <a:xfrm>
+            <a:off x="2922057" y="5902683"/>
+            <a:ext cx="300082" cy="369332"/>
+          </a:xfrm>
+          <a:prstGeom prst="rect">
+            <a:avLst/>
+          </a:prstGeom>
+          <a:noFill/>
+        </p:spPr>
+        <p:txBody>
+          <a:bodyPr wrap="none" rtlCol="0">
+            <a:spAutoFit/>
+          </a:bodyPr>
+          <a:lstStyle/>
+          <a:p>
+            <a:r>
+              <a:rPr lang="en-US" dirty="0"/>
+              <a:t>*</a:t>
+            </a:r>
+          </a:p>
+        </p:txBody>
+      </p:sp>
+      <p:sp>
+        <p:nvSpPr>
+          <p:cNvPr id="3" name="TextBox 2">
+            <a:extLst>
+              <a:ext uri="{FF2B5EF4-FFF2-40B4-BE49-F238E27FC236}">
+                <a16:creationId xmlns:a16="http://schemas.microsoft.com/office/drawing/2014/main" id="{99081498-6C66-1BEA-A716-B8F2826DE9FF}"/>
+              </a:ext>
+            </a:extLst>
+          </p:cNvPr>
+          <p:cNvSpPr txBox="1"/>
+          <p:nvPr/>
+        </p:nvSpPr>
+        <p:spPr>
+          <a:xfrm>
+            <a:off x="4036124" y="5896691"/>
+            <a:ext cx="300082" cy="369332"/>
+          </a:xfrm>
+          <a:prstGeom prst="rect">
+            <a:avLst/>
+          </a:prstGeom>
+          <a:noFill/>
+        </p:spPr>
+        <p:txBody>
+          <a:bodyPr wrap="none" rtlCol="0">
+            <a:spAutoFit/>
+          </a:bodyPr>
+          <a:lstStyle/>
+          <a:p>
+            <a:r>
+              <a:rPr lang="en-US" dirty="0"/>
+              <a:t>*</a:t>
+            </a:r>
           </a:p>
         </p:txBody>
       </p:sp>
     </p:spTree>
     <p:extLst>
       <p:ext uri="{BB962C8B-B14F-4D97-AF65-F5344CB8AC3E}">
-        <p14:creationId xmlns:p14="http://schemas.microsoft.com/office/powerpoint/2010/main" val="3456410081"/>
+        <p14:creationId xmlns:p14="http://schemas.microsoft.com/office/powerpoint/2010/main" val="1114454516"/>
+      </p:ext>
+    </p:extLst>
+  </p:cSld>
+  <p:clrMapOvr>
+    <a:masterClrMapping/>
+  </p:clrMapOvr>
+</p:sld>
+</file>
+
+<file path=ppt/slides/slide2.xml><?xml version="1.0" encoding="utf-8"?>
+<p:sld xmlns:a="http://schemas.openxmlformats.org/drawingml/2006/main" xmlns:r="http://schemas.openxmlformats.org/officeDocument/2006/relationships" xmlns:p="http://schemas.openxmlformats.org/presentationml/2006/main">
+  <p:cSld>
+    <p:spTree>
+      <p:nvGrpSpPr>
+        <p:cNvPr id="1" name=""/>
+        <p:cNvGrpSpPr/>
+        <p:nvPr/>
+      </p:nvGrpSpPr>
+      <p:grpSpPr>
+        <a:xfrm>
+          <a:off x="0" y="0"/>
+          <a:ext cx="0" cy="0"/>
+          <a:chOff x="0" y="0"/>
+          <a:chExt cx="0" cy="0"/>
+        </a:xfrm>
+      </p:grpSpPr>
+      <p:pic>
+        <p:nvPicPr>
+          <p:cNvPr id="14" name="Picture 13" descr="A diagram of seaweeds and seaweeds&#10;&#10;Description automatically generated with medium confidence">
+            <a:extLst>
+              <a:ext uri="{FF2B5EF4-FFF2-40B4-BE49-F238E27FC236}">
+                <a16:creationId xmlns:a16="http://schemas.microsoft.com/office/drawing/2014/main" id="{39922A04-8B1D-7EF0-9E02-3EEFA36F739A}"/>
+              </a:ext>
+            </a:extLst>
+          </p:cNvPr>
+          <p:cNvPicPr>
+            <a:picLocks noChangeAspect="1"/>
+          </p:cNvPicPr>
+          <p:nvPr/>
+        </p:nvPicPr>
+        <p:blipFill>
+          <a:blip r:embed="rId2"/>
+          <a:stretch>
+            <a:fillRect/>
+          </a:stretch>
+        </p:blipFill>
+        <p:spPr>
+          <a:xfrm>
+            <a:off x="3095625" y="0"/>
+            <a:ext cx="6000750" cy="6858000"/>
+          </a:xfrm>
+          <a:prstGeom prst="rect">
+            <a:avLst/>
+          </a:prstGeom>
+        </p:spPr>
+      </p:pic>
+      <p:sp>
+        <p:nvSpPr>
+          <p:cNvPr id="4" name="TextBox 3">
+            <a:extLst>
+              <a:ext uri="{FF2B5EF4-FFF2-40B4-BE49-F238E27FC236}">
+                <a16:creationId xmlns:a16="http://schemas.microsoft.com/office/drawing/2014/main" id="{44366B93-EF1F-BD7B-77F4-DB23BE4DB02D}"/>
+              </a:ext>
+            </a:extLst>
+          </p:cNvPr>
+          <p:cNvSpPr txBox="1"/>
+          <p:nvPr/>
+        </p:nvSpPr>
+        <p:spPr>
+          <a:xfrm>
+            <a:off x="7125629" y="267630"/>
+            <a:ext cx="351378" cy="369332"/>
+          </a:xfrm>
+          <a:prstGeom prst="rect">
+            <a:avLst/>
+          </a:prstGeom>
+          <a:noFill/>
+        </p:spPr>
+        <p:txBody>
+          <a:bodyPr wrap="none" rtlCol="0">
+            <a:spAutoFit/>
+          </a:bodyPr>
+          <a:lstStyle/>
+          <a:p>
+            <a:r>
+              <a:rPr lang="en-US" dirty="0">
+                <a:latin typeface="Times New Roman" panose="02020603050405020304" pitchFamily="18" charset="0"/>
+                <a:cs typeface="Times New Roman" panose="02020603050405020304" pitchFamily="18" charset="0"/>
+              </a:rPr>
+              <a:t>A</a:t>
+            </a:r>
+          </a:p>
+        </p:txBody>
+      </p:sp>
+      <p:sp>
+        <p:nvSpPr>
+          <p:cNvPr id="5" name="TextBox 4">
+            <a:extLst>
+              <a:ext uri="{FF2B5EF4-FFF2-40B4-BE49-F238E27FC236}">
+                <a16:creationId xmlns:a16="http://schemas.microsoft.com/office/drawing/2014/main" id="{07376D41-8089-0740-F44B-4B6D55677644}"/>
+              </a:ext>
+            </a:extLst>
+          </p:cNvPr>
+          <p:cNvSpPr txBox="1"/>
+          <p:nvPr/>
+        </p:nvSpPr>
+        <p:spPr>
+          <a:xfrm>
+            <a:off x="7128182" y="1488808"/>
+            <a:ext cx="338554" cy="369332"/>
+          </a:xfrm>
+          <a:prstGeom prst="rect">
+            <a:avLst/>
+          </a:prstGeom>
+          <a:noFill/>
+        </p:spPr>
+        <p:txBody>
+          <a:bodyPr wrap="none" rtlCol="0">
+            <a:spAutoFit/>
+          </a:bodyPr>
+          <a:lstStyle/>
+          <a:p>
+            <a:r>
+              <a:rPr lang="en-US" dirty="0">
+                <a:latin typeface="Times New Roman" panose="02020603050405020304" pitchFamily="18" charset="0"/>
+                <a:cs typeface="Times New Roman" panose="02020603050405020304" pitchFamily="18" charset="0"/>
+              </a:rPr>
+              <a:t>B</a:t>
+            </a:r>
+          </a:p>
+        </p:txBody>
+      </p:sp>
+      <p:sp>
+        <p:nvSpPr>
+          <p:cNvPr id="6" name="TextBox 5">
+            <a:extLst>
+              <a:ext uri="{FF2B5EF4-FFF2-40B4-BE49-F238E27FC236}">
+                <a16:creationId xmlns:a16="http://schemas.microsoft.com/office/drawing/2014/main" id="{C98E2CFD-A7CD-A2DA-A0C1-8011695EE675}"/>
+              </a:ext>
+            </a:extLst>
+          </p:cNvPr>
+          <p:cNvSpPr txBox="1"/>
+          <p:nvPr/>
+        </p:nvSpPr>
+        <p:spPr>
+          <a:xfrm>
+            <a:off x="7125629" y="2709986"/>
+            <a:ext cx="338554" cy="369332"/>
+          </a:xfrm>
+          <a:prstGeom prst="rect">
+            <a:avLst/>
+          </a:prstGeom>
+          <a:noFill/>
+        </p:spPr>
+        <p:txBody>
+          <a:bodyPr wrap="none" rtlCol="0">
+            <a:spAutoFit/>
+          </a:bodyPr>
+          <a:lstStyle/>
+          <a:p>
+            <a:r>
+              <a:rPr lang="en-US" dirty="0">
+                <a:latin typeface="Times New Roman" panose="02020603050405020304" pitchFamily="18" charset="0"/>
+                <a:cs typeface="Times New Roman" panose="02020603050405020304" pitchFamily="18" charset="0"/>
+              </a:rPr>
+              <a:t>C</a:t>
+            </a:r>
+          </a:p>
+        </p:txBody>
+      </p:sp>
+      <p:sp>
+        <p:nvSpPr>
+          <p:cNvPr id="7" name="TextBox 6">
+            <a:extLst>
+              <a:ext uri="{FF2B5EF4-FFF2-40B4-BE49-F238E27FC236}">
+                <a16:creationId xmlns:a16="http://schemas.microsoft.com/office/drawing/2014/main" id="{CF631A74-7D3E-FBF2-DBA6-06A90066E07E}"/>
+              </a:ext>
+            </a:extLst>
+          </p:cNvPr>
+          <p:cNvSpPr txBox="1"/>
+          <p:nvPr/>
+        </p:nvSpPr>
+        <p:spPr>
+          <a:xfrm>
+            <a:off x="7121770" y="3961843"/>
+            <a:ext cx="351378" cy="369332"/>
+          </a:xfrm>
+          <a:prstGeom prst="rect">
+            <a:avLst/>
+          </a:prstGeom>
+          <a:noFill/>
+        </p:spPr>
+        <p:txBody>
+          <a:bodyPr wrap="none" rtlCol="0">
+            <a:spAutoFit/>
+          </a:bodyPr>
+          <a:lstStyle/>
+          <a:p>
+            <a:r>
+              <a:rPr lang="en-US" dirty="0">
+                <a:latin typeface="Times New Roman" panose="02020603050405020304" pitchFamily="18" charset="0"/>
+                <a:cs typeface="Times New Roman" panose="02020603050405020304" pitchFamily="18" charset="0"/>
+              </a:rPr>
+              <a:t>D</a:t>
+            </a:r>
+          </a:p>
+        </p:txBody>
+      </p:sp>
+      <p:sp>
+        <p:nvSpPr>
+          <p:cNvPr id="9" name="TextBox 8">
+            <a:extLst>
+              <a:ext uri="{FF2B5EF4-FFF2-40B4-BE49-F238E27FC236}">
+                <a16:creationId xmlns:a16="http://schemas.microsoft.com/office/drawing/2014/main" id="{08FD6FB3-8E5F-E626-C9D1-878BBC5D0C4D}"/>
+              </a:ext>
+            </a:extLst>
+          </p:cNvPr>
+          <p:cNvSpPr txBox="1"/>
+          <p:nvPr/>
+        </p:nvSpPr>
+        <p:spPr>
+          <a:xfrm>
+            <a:off x="7147418" y="5161307"/>
+            <a:ext cx="325730" cy="369332"/>
+          </a:xfrm>
+          <a:prstGeom prst="rect">
+            <a:avLst/>
+          </a:prstGeom>
+          <a:noFill/>
+        </p:spPr>
+        <p:txBody>
+          <a:bodyPr wrap="none" rtlCol="0">
+            <a:spAutoFit/>
+          </a:bodyPr>
+          <a:lstStyle/>
+          <a:p>
+            <a:r>
+              <a:rPr lang="en-US" dirty="0">
+                <a:latin typeface="Times New Roman" panose="02020603050405020304" pitchFamily="18" charset="0"/>
+                <a:cs typeface="Times New Roman" panose="02020603050405020304" pitchFamily="18" charset="0"/>
+              </a:rPr>
+              <a:t>E</a:t>
+            </a:r>
+          </a:p>
+        </p:txBody>
+      </p:sp>
+      <p:sp>
+        <p:nvSpPr>
+          <p:cNvPr id="2" name="TextBox 1">
+            <a:extLst>
+              <a:ext uri="{FF2B5EF4-FFF2-40B4-BE49-F238E27FC236}">
+                <a16:creationId xmlns:a16="http://schemas.microsoft.com/office/drawing/2014/main" id="{F5BE157F-C78A-92BA-AE36-5AB304A4F2BF}"/>
+              </a:ext>
+            </a:extLst>
+          </p:cNvPr>
+          <p:cNvSpPr txBox="1"/>
+          <p:nvPr/>
+        </p:nvSpPr>
+        <p:spPr>
+          <a:xfrm>
+            <a:off x="3836457" y="5814194"/>
+            <a:ext cx="300082" cy="369332"/>
+          </a:xfrm>
+          <a:prstGeom prst="rect">
+            <a:avLst/>
+          </a:prstGeom>
+          <a:noFill/>
+        </p:spPr>
+        <p:txBody>
+          <a:bodyPr wrap="none" rtlCol="0">
+            <a:spAutoFit/>
+          </a:bodyPr>
+          <a:lstStyle/>
+          <a:p>
+            <a:r>
+              <a:rPr lang="en-US" dirty="0"/>
+              <a:t>*</a:t>
+            </a:r>
+          </a:p>
+        </p:txBody>
+      </p:sp>
+      <p:sp>
+        <p:nvSpPr>
+          <p:cNvPr id="10" name="TextBox 9">
+            <a:extLst>
+              <a:ext uri="{FF2B5EF4-FFF2-40B4-BE49-F238E27FC236}">
+                <a16:creationId xmlns:a16="http://schemas.microsoft.com/office/drawing/2014/main" id="{05BA210E-A83A-DB11-B4D4-68AE15088403}"/>
+              </a:ext>
+            </a:extLst>
+          </p:cNvPr>
+          <p:cNvSpPr txBox="1"/>
+          <p:nvPr/>
+        </p:nvSpPr>
+        <p:spPr>
+          <a:xfrm>
+            <a:off x="4801437" y="5814194"/>
+            <a:ext cx="300082" cy="369332"/>
+          </a:xfrm>
+          <a:prstGeom prst="rect">
+            <a:avLst/>
+          </a:prstGeom>
+          <a:noFill/>
+        </p:spPr>
+        <p:txBody>
+          <a:bodyPr wrap="none" rtlCol="0">
+            <a:spAutoFit/>
+          </a:bodyPr>
+          <a:lstStyle/>
+          <a:p>
+            <a:r>
+              <a:rPr lang="en-US" dirty="0"/>
+              <a:t>*</a:t>
+            </a:r>
+          </a:p>
+        </p:txBody>
+      </p:sp>
+    </p:spTree>
+    <p:extLst>
+      <p:ext uri="{BB962C8B-B14F-4D97-AF65-F5344CB8AC3E}">
+        <p14:creationId xmlns:p14="http://schemas.microsoft.com/office/powerpoint/2010/main" val="3119332243"/>
+      </p:ext>
+    </p:extLst>
+  </p:cSld>
+  <p:clrMapOvr>
+    <a:masterClrMapping/>
+  </p:clrMapOvr>
+</p:sld>
+</file>
+
+<file path=ppt/slides/slide3.xml><?xml version="1.0" encoding="utf-8"?>
+<p:sld xmlns:a="http://schemas.openxmlformats.org/drawingml/2006/main" xmlns:r="http://schemas.openxmlformats.org/officeDocument/2006/relationships" xmlns:p="http://schemas.openxmlformats.org/presentationml/2006/main">
+  <p:cSld>
+    <p:spTree>
+      <p:nvGrpSpPr>
+        <p:cNvPr id="1" name=""/>
+        <p:cNvGrpSpPr/>
+        <p:nvPr/>
+      </p:nvGrpSpPr>
+      <p:grpSpPr>
+        <a:xfrm>
+          <a:off x="0" y="0"/>
+          <a:ext cx="0" cy="0"/>
+          <a:chOff x="0" y="0"/>
+          <a:chExt cx="0" cy="0"/>
+        </a:xfrm>
+      </p:grpSpPr>
+      <p:pic>
+        <p:nvPicPr>
+          <p:cNvPr id="8" name="Picture 7" descr="A graph of a number of species&#10;&#10;Description automatically generated with medium confidence">
+            <a:extLst>
+              <a:ext uri="{FF2B5EF4-FFF2-40B4-BE49-F238E27FC236}">
+                <a16:creationId xmlns:a16="http://schemas.microsoft.com/office/drawing/2014/main" id="{35982E2A-6F87-7E05-5B29-F709CDAE208F}"/>
+              </a:ext>
+            </a:extLst>
+          </p:cNvPr>
+          <p:cNvPicPr>
+            <a:picLocks noChangeAspect="1"/>
+          </p:cNvPicPr>
+          <p:nvPr/>
+        </p:nvPicPr>
+        <p:blipFill>
+          <a:blip r:embed="rId2"/>
+          <a:stretch>
+            <a:fillRect/>
+          </a:stretch>
+        </p:blipFill>
+        <p:spPr>
+          <a:xfrm>
+            <a:off x="2934987" y="-26034"/>
+            <a:ext cx="6000750" cy="6858000"/>
+          </a:xfrm>
+          <a:prstGeom prst="rect">
+            <a:avLst/>
+          </a:prstGeom>
+        </p:spPr>
+      </p:pic>
+      <p:sp>
+        <p:nvSpPr>
+          <p:cNvPr id="9" name="TextBox 8">
+            <a:extLst>
+              <a:ext uri="{FF2B5EF4-FFF2-40B4-BE49-F238E27FC236}">
+                <a16:creationId xmlns:a16="http://schemas.microsoft.com/office/drawing/2014/main" id="{09D27694-D89D-3B76-E1C7-EBBFB54E86AC}"/>
+              </a:ext>
+            </a:extLst>
+          </p:cNvPr>
+          <p:cNvSpPr txBox="1"/>
+          <p:nvPr/>
+        </p:nvSpPr>
+        <p:spPr>
+          <a:xfrm>
+            <a:off x="6964264" y="-1320"/>
+            <a:ext cx="351378" cy="369332"/>
+          </a:xfrm>
+          <a:prstGeom prst="rect">
+            <a:avLst/>
+          </a:prstGeom>
+          <a:noFill/>
+        </p:spPr>
+        <p:txBody>
+          <a:bodyPr wrap="none" rtlCol="0">
+            <a:spAutoFit/>
+          </a:bodyPr>
+          <a:lstStyle/>
+          <a:p>
+            <a:r>
+              <a:rPr lang="en-US" dirty="0">
+                <a:latin typeface="Times New Roman" panose="02020603050405020304" pitchFamily="18" charset="0"/>
+                <a:cs typeface="Times New Roman" panose="02020603050405020304" pitchFamily="18" charset="0"/>
+              </a:rPr>
+              <a:t>A</a:t>
+            </a:r>
+          </a:p>
+        </p:txBody>
+      </p:sp>
+      <p:sp>
+        <p:nvSpPr>
+          <p:cNvPr id="10" name="TextBox 9">
+            <a:extLst>
+              <a:ext uri="{FF2B5EF4-FFF2-40B4-BE49-F238E27FC236}">
+                <a16:creationId xmlns:a16="http://schemas.microsoft.com/office/drawing/2014/main" id="{92438FD3-610C-EAF2-4602-0439EA56C013}"/>
+              </a:ext>
+            </a:extLst>
+          </p:cNvPr>
+          <p:cNvSpPr txBox="1"/>
+          <p:nvPr/>
+        </p:nvSpPr>
+        <p:spPr>
+          <a:xfrm>
+            <a:off x="6966817" y="1264688"/>
+            <a:ext cx="338554" cy="369332"/>
+          </a:xfrm>
+          <a:prstGeom prst="rect">
+            <a:avLst/>
+          </a:prstGeom>
+          <a:noFill/>
+        </p:spPr>
+        <p:txBody>
+          <a:bodyPr wrap="none" rtlCol="0">
+            <a:spAutoFit/>
+          </a:bodyPr>
+          <a:lstStyle/>
+          <a:p>
+            <a:r>
+              <a:rPr lang="en-US" dirty="0">
+                <a:latin typeface="Times New Roman" panose="02020603050405020304" pitchFamily="18" charset="0"/>
+                <a:cs typeface="Times New Roman" panose="02020603050405020304" pitchFamily="18" charset="0"/>
+              </a:rPr>
+              <a:t>B</a:t>
+            </a:r>
+          </a:p>
+        </p:txBody>
+      </p:sp>
+      <p:sp>
+        <p:nvSpPr>
+          <p:cNvPr id="11" name="TextBox 10">
+            <a:extLst>
+              <a:ext uri="{FF2B5EF4-FFF2-40B4-BE49-F238E27FC236}">
+                <a16:creationId xmlns:a16="http://schemas.microsoft.com/office/drawing/2014/main" id="{269FE9D2-910D-49F8-E2EC-D083543981CA}"/>
+              </a:ext>
+            </a:extLst>
+          </p:cNvPr>
+          <p:cNvSpPr txBox="1"/>
+          <p:nvPr/>
+        </p:nvSpPr>
+        <p:spPr>
+          <a:xfrm>
+            <a:off x="6964264" y="2548617"/>
+            <a:ext cx="338554" cy="369332"/>
+          </a:xfrm>
+          <a:prstGeom prst="rect">
+            <a:avLst/>
+          </a:prstGeom>
+          <a:noFill/>
+        </p:spPr>
+        <p:txBody>
+          <a:bodyPr wrap="none" rtlCol="0">
+            <a:spAutoFit/>
+          </a:bodyPr>
+          <a:lstStyle/>
+          <a:p>
+            <a:r>
+              <a:rPr lang="en-US" dirty="0">
+                <a:latin typeface="Times New Roman" panose="02020603050405020304" pitchFamily="18" charset="0"/>
+                <a:cs typeface="Times New Roman" panose="02020603050405020304" pitchFamily="18" charset="0"/>
+              </a:rPr>
+              <a:t>C</a:t>
+            </a:r>
+          </a:p>
+        </p:txBody>
+      </p:sp>
+      <p:sp>
+        <p:nvSpPr>
+          <p:cNvPr id="12" name="TextBox 11">
+            <a:extLst>
+              <a:ext uri="{FF2B5EF4-FFF2-40B4-BE49-F238E27FC236}">
+                <a16:creationId xmlns:a16="http://schemas.microsoft.com/office/drawing/2014/main" id="{44150CA3-BE21-803C-6AE9-B26480B83002}"/>
+              </a:ext>
+            </a:extLst>
+          </p:cNvPr>
+          <p:cNvSpPr txBox="1"/>
+          <p:nvPr/>
+        </p:nvSpPr>
+        <p:spPr>
+          <a:xfrm>
+            <a:off x="6960405" y="3827368"/>
+            <a:ext cx="351378" cy="369332"/>
+          </a:xfrm>
+          <a:prstGeom prst="rect">
+            <a:avLst/>
+          </a:prstGeom>
+          <a:noFill/>
+        </p:spPr>
+        <p:txBody>
+          <a:bodyPr wrap="none" rtlCol="0">
+            <a:spAutoFit/>
+          </a:bodyPr>
+          <a:lstStyle/>
+          <a:p>
+            <a:r>
+              <a:rPr lang="en-US" dirty="0">
+                <a:latin typeface="Times New Roman" panose="02020603050405020304" pitchFamily="18" charset="0"/>
+                <a:cs typeface="Times New Roman" panose="02020603050405020304" pitchFamily="18" charset="0"/>
+              </a:rPr>
+              <a:t>D</a:t>
+            </a:r>
+          </a:p>
+        </p:txBody>
+      </p:sp>
+      <p:sp>
+        <p:nvSpPr>
+          <p:cNvPr id="13" name="TextBox 12">
+            <a:extLst>
+              <a:ext uri="{FF2B5EF4-FFF2-40B4-BE49-F238E27FC236}">
+                <a16:creationId xmlns:a16="http://schemas.microsoft.com/office/drawing/2014/main" id="{8A953B67-F6FC-5682-EA51-BCF03DB4BBD2}"/>
+              </a:ext>
+            </a:extLst>
+          </p:cNvPr>
+          <p:cNvSpPr txBox="1"/>
+          <p:nvPr/>
+        </p:nvSpPr>
+        <p:spPr>
+          <a:xfrm>
+            <a:off x="6986053" y="5107517"/>
+            <a:ext cx="325730" cy="369332"/>
+          </a:xfrm>
+          <a:prstGeom prst="rect">
+            <a:avLst/>
+          </a:prstGeom>
+          <a:noFill/>
+        </p:spPr>
+        <p:txBody>
+          <a:bodyPr wrap="none" rtlCol="0">
+            <a:spAutoFit/>
+          </a:bodyPr>
+          <a:lstStyle/>
+          <a:p>
+            <a:r>
+              <a:rPr lang="en-US" dirty="0">
+                <a:latin typeface="Times New Roman" panose="02020603050405020304" pitchFamily="18" charset="0"/>
+                <a:cs typeface="Times New Roman" panose="02020603050405020304" pitchFamily="18" charset="0"/>
+              </a:rPr>
+              <a:t>E</a:t>
+            </a:r>
+          </a:p>
+        </p:txBody>
+      </p:sp>
+      <p:sp>
+        <p:nvSpPr>
+          <p:cNvPr id="2" name="TextBox 1">
+            <a:extLst>
+              <a:ext uri="{FF2B5EF4-FFF2-40B4-BE49-F238E27FC236}">
+                <a16:creationId xmlns:a16="http://schemas.microsoft.com/office/drawing/2014/main" id="{566E5693-E9C6-466B-F28F-FBE6BB3A929D}"/>
+              </a:ext>
+            </a:extLst>
+          </p:cNvPr>
+          <p:cNvSpPr txBox="1"/>
+          <p:nvPr/>
+        </p:nvSpPr>
+        <p:spPr>
+          <a:xfrm>
+            <a:off x="3816579" y="5814194"/>
+            <a:ext cx="300082" cy="369332"/>
+          </a:xfrm>
+          <a:prstGeom prst="rect">
+            <a:avLst/>
+          </a:prstGeom>
+          <a:noFill/>
+        </p:spPr>
+        <p:txBody>
+          <a:bodyPr wrap="none" rtlCol="0">
+            <a:spAutoFit/>
+          </a:bodyPr>
+          <a:lstStyle/>
+          <a:p>
+            <a:r>
+              <a:rPr lang="en-US" dirty="0"/>
+              <a:t>*</a:t>
+            </a:r>
+          </a:p>
+        </p:txBody>
+      </p:sp>
+      <p:sp>
+        <p:nvSpPr>
+          <p:cNvPr id="3" name="TextBox 2">
+            <a:extLst>
+              <a:ext uri="{FF2B5EF4-FFF2-40B4-BE49-F238E27FC236}">
+                <a16:creationId xmlns:a16="http://schemas.microsoft.com/office/drawing/2014/main" id="{E3687954-86CB-FC7F-B157-E93B5F918744}"/>
+              </a:ext>
+            </a:extLst>
+          </p:cNvPr>
+          <p:cNvSpPr txBox="1"/>
+          <p:nvPr/>
+        </p:nvSpPr>
+        <p:spPr>
+          <a:xfrm>
+            <a:off x="4781559" y="5814194"/>
+            <a:ext cx="300082" cy="369332"/>
+          </a:xfrm>
+          <a:prstGeom prst="rect">
+            <a:avLst/>
+          </a:prstGeom>
+          <a:noFill/>
+        </p:spPr>
+        <p:txBody>
+          <a:bodyPr wrap="none" rtlCol="0">
+            <a:spAutoFit/>
+          </a:bodyPr>
+          <a:lstStyle/>
+          <a:p>
+            <a:r>
+              <a:rPr lang="en-US" dirty="0"/>
+              <a:t>*</a:t>
+            </a:r>
+          </a:p>
+        </p:txBody>
+      </p:sp>
+    </p:spTree>
+    <p:extLst>
+      <p:ext uri="{BB962C8B-B14F-4D97-AF65-F5344CB8AC3E}">
+        <p14:creationId xmlns:p14="http://schemas.microsoft.com/office/powerpoint/2010/main" val="189277597"/>
       </p:ext>
     </p:extLst>
   </p:cSld>

--- a/figures.pptx
+++ b/figures.pptx
@@ -261,7 +261,7 @@
           <a:p>
             <a:fld id="{E2103A60-17A8-CA4B-A625-E9DE09694588}" type="datetimeFigureOut">
               <a:rPr lang="en-US" smtClean="0"/>
-              <a:t>2/20/24</a:t>
+              <a:t>2/25/24</a:t>
             </a:fld>
             <a:endParaRPr lang="en-US"/>
           </a:p>
@@ -459,7 +459,7 @@
           <a:p>
             <a:fld id="{E2103A60-17A8-CA4B-A625-E9DE09694588}" type="datetimeFigureOut">
               <a:rPr lang="en-US" smtClean="0"/>
-              <a:t>2/20/24</a:t>
+              <a:t>2/25/24</a:t>
             </a:fld>
             <a:endParaRPr lang="en-US"/>
           </a:p>
@@ -667,7 +667,7 @@
           <a:p>
             <a:fld id="{E2103A60-17A8-CA4B-A625-E9DE09694588}" type="datetimeFigureOut">
               <a:rPr lang="en-US" smtClean="0"/>
-              <a:t>2/20/24</a:t>
+              <a:t>2/25/24</a:t>
             </a:fld>
             <a:endParaRPr lang="en-US"/>
           </a:p>
@@ -865,7 +865,7 @@
           <a:p>
             <a:fld id="{E2103A60-17A8-CA4B-A625-E9DE09694588}" type="datetimeFigureOut">
               <a:rPr lang="en-US" smtClean="0"/>
-              <a:t>2/20/24</a:t>
+              <a:t>2/25/24</a:t>
             </a:fld>
             <a:endParaRPr lang="en-US"/>
           </a:p>
@@ -1140,7 +1140,7 @@
           <a:p>
             <a:fld id="{E2103A60-17A8-CA4B-A625-E9DE09694588}" type="datetimeFigureOut">
               <a:rPr lang="en-US" smtClean="0"/>
-              <a:t>2/20/24</a:t>
+              <a:t>2/25/24</a:t>
             </a:fld>
             <a:endParaRPr lang="en-US"/>
           </a:p>
@@ -1405,7 +1405,7 @@
           <a:p>
             <a:fld id="{E2103A60-17A8-CA4B-A625-E9DE09694588}" type="datetimeFigureOut">
               <a:rPr lang="en-US" smtClean="0"/>
-              <a:t>2/20/24</a:t>
+              <a:t>2/25/24</a:t>
             </a:fld>
             <a:endParaRPr lang="en-US"/>
           </a:p>
@@ -1817,7 +1817,7 @@
           <a:p>
             <a:fld id="{E2103A60-17A8-CA4B-A625-E9DE09694588}" type="datetimeFigureOut">
               <a:rPr lang="en-US" smtClean="0"/>
-              <a:t>2/20/24</a:t>
+              <a:t>2/25/24</a:t>
             </a:fld>
             <a:endParaRPr lang="en-US"/>
           </a:p>
@@ -1958,7 +1958,7 @@
           <a:p>
             <a:fld id="{E2103A60-17A8-CA4B-A625-E9DE09694588}" type="datetimeFigureOut">
               <a:rPr lang="en-US" smtClean="0"/>
-              <a:t>2/20/24</a:t>
+              <a:t>2/25/24</a:t>
             </a:fld>
             <a:endParaRPr lang="en-US"/>
           </a:p>
@@ -2071,7 +2071,7 @@
           <a:p>
             <a:fld id="{E2103A60-17A8-CA4B-A625-E9DE09694588}" type="datetimeFigureOut">
               <a:rPr lang="en-US" smtClean="0"/>
-              <a:t>2/20/24</a:t>
+              <a:t>2/25/24</a:t>
             </a:fld>
             <a:endParaRPr lang="en-US"/>
           </a:p>
@@ -2382,7 +2382,7 @@
           <a:p>
             <a:fld id="{E2103A60-17A8-CA4B-A625-E9DE09694588}" type="datetimeFigureOut">
               <a:rPr lang="en-US" smtClean="0"/>
-              <a:t>2/20/24</a:t>
+              <a:t>2/25/24</a:t>
             </a:fld>
             <a:endParaRPr lang="en-US"/>
           </a:p>
@@ -2670,7 +2670,7 @@
           <a:p>
             <a:fld id="{E2103A60-17A8-CA4B-A625-E9DE09694588}" type="datetimeFigureOut">
               <a:rPr lang="en-US" smtClean="0"/>
-              <a:t>2/20/24</a:t>
+              <a:t>2/25/24</a:t>
             </a:fld>
             <a:endParaRPr lang="en-US"/>
           </a:p>
@@ -2911,7 +2911,7 @@
           <a:p>
             <a:fld id="{E2103A60-17A8-CA4B-A625-E9DE09694588}" type="datetimeFigureOut">
               <a:rPr lang="en-US" smtClean="0"/>
-              <a:t>2/20/24</a:t>
+              <a:t>2/25/24</a:t>
             </a:fld>
             <a:endParaRPr lang="en-US"/>
           </a:p>
@@ -3330,10 +3330,10 @@
       </p:grpSpPr>
       <p:pic>
         <p:nvPicPr>
-          <p:cNvPr id="12" name="Picture 11" descr="A graph showing a number of species&#10;&#10;Description automatically generated">
-            <a:extLst>
-              <a:ext uri="{FF2B5EF4-FFF2-40B4-BE49-F238E27FC236}">
-                <a16:creationId xmlns:a16="http://schemas.microsoft.com/office/drawing/2014/main" id="{30C457E3-E49F-B3B0-A599-105F07AE6643}"/>
+          <p:cNvPr id="17" name="Picture 16" descr="A graph showing a number of species&#10;&#10;Description automatically generated">
+            <a:extLst>
+              <a:ext uri="{FF2B5EF4-FFF2-40B4-BE49-F238E27FC236}">
+                <a16:creationId xmlns:a16="http://schemas.microsoft.com/office/drawing/2014/main" id="{039C039F-D5DE-B17A-D6E4-F205D9C6F8DF}"/>
               </a:ext>
             </a:extLst>
           </p:cNvPr>
@@ -3350,8 +3350,8 @@
         </p:blipFill>
         <p:spPr>
           <a:xfrm>
-            <a:off x="1718423" y="0"/>
-            <a:ext cx="7715250" cy="6858000"/>
+            <a:off x="2581656" y="0"/>
+            <a:ext cx="6858000" cy="6858000"/>
           </a:xfrm>
           <a:prstGeom prst="rect">
             <a:avLst/>
@@ -3524,7 +3524,7 @@
         </p:nvSpPr>
         <p:spPr>
           <a:xfrm>
-            <a:off x="2922057" y="3230020"/>
+            <a:off x="3654063" y="1679145"/>
             <a:ext cx="300082" cy="369332"/>
           </a:xfrm>
           <a:prstGeom prst="rect">
@@ -3597,7 +3597,7 @@
         </p:nvSpPr>
         <p:spPr>
           <a:xfrm>
-            <a:off x="4036124" y="3224028"/>
+            <a:off x="4474153" y="1679145"/>
             <a:ext cx="300082" cy="369332"/>
           </a:xfrm>
           <a:prstGeom prst="rect">
@@ -3708,7 +3708,7 @@
         </p:nvSpPr>
         <p:spPr>
           <a:xfrm>
-            <a:off x="2922057" y="5902683"/>
+            <a:off x="3654063" y="4278337"/>
             <a:ext cx="300082" cy="369332"/>
           </a:xfrm>
           <a:prstGeom prst="rect">
@@ -3743,7 +3743,7 @@
         </p:nvSpPr>
         <p:spPr>
           <a:xfrm>
-            <a:off x="4036124" y="5896691"/>
+            <a:off x="4474153" y="4278337"/>
             <a:ext cx="300082" cy="369332"/>
           </a:xfrm>
           <a:prstGeom prst="rect">
@@ -3761,6 +3761,162 @@
               <a:rPr lang="en-US" dirty="0"/>
               <a:t>*</a:t>
             </a:r>
+          </a:p>
+        </p:txBody>
+      </p:sp>
+      <p:sp>
+        <p:nvSpPr>
+          <p:cNvPr id="5" name="TextBox 4">
+            <a:extLst>
+              <a:ext uri="{FF2B5EF4-FFF2-40B4-BE49-F238E27FC236}">
+                <a16:creationId xmlns:a16="http://schemas.microsoft.com/office/drawing/2014/main" id="{F0F6F34D-6A6D-D7DC-591B-C3BDE10FD584}"/>
+              </a:ext>
+            </a:extLst>
+          </p:cNvPr>
+          <p:cNvSpPr txBox="1"/>
+          <p:nvPr/>
+        </p:nvSpPr>
+        <p:spPr>
+          <a:xfrm>
+            <a:off x="4529135" y="674157"/>
+            <a:ext cx="303389" cy="369332"/>
+          </a:xfrm>
+          <a:prstGeom prst="rect">
+            <a:avLst/>
+          </a:prstGeom>
+          <a:noFill/>
+        </p:spPr>
+        <p:txBody>
+          <a:bodyPr wrap="square">
+            <a:spAutoFit/>
+          </a:bodyPr>
+          <a:lstStyle/>
+          <a:p>
+            <a:r>
+              <a:rPr lang="en-US" dirty="0">
+                <a:latin typeface="Times New Roman" panose="02020603050405020304" pitchFamily="18" charset="0"/>
+                <a:cs typeface="Times New Roman" panose="02020603050405020304" pitchFamily="18" charset="0"/>
+              </a:rPr>
+              <a:t>0</a:t>
+            </a:r>
+            <a:endParaRPr lang="en-US" dirty="0"/>
+          </a:p>
+        </p:txBody>
+      </p:sp>
+      <p:sp>
+        <p:nvSpPr>
+          <p:cNvPr id="12" name="TextBox 11">
+            <a:extLst>
+              <a:ext uri="{FF2B5EF4-FFF2-40B4-BE49-F238E27FC236}">
+                <a16:creationId xmlns:a16="http://schemas.microsoft.com/office/drawing/2014/main" id="{453FE527-DB8A-9A3B-33DC-016A76579229}"/>
+              </a:ext>
+            </a:extLst>
+          </p:cNvPr>
+          <p:cNvSpPr txBox="1"/>
+          <p:nvPr/>
+        </p:nvSpPr>
+        <p:spPr>
+          <a:xfrm>
+            <a:off x="6500710" y="4156561"/>
+            <a:ext cx="303389" cy="369332"/>
+          </a:xfrm>
+          <a:prstGeom prst="rect">
+            <a:avLst/>
+          </a:prstGeom>
+          <a:noFill/>
+        </p:spPr>
+        <p:txBody>
+          <a:bodyPr wrap="square">
+            <a:spAutoFit/>
+          </a:bodyPr>
+          <a:lstStyle/>
+          <a:p>
+            <a:r>
+              <a:rPr lang="en-US" dirty="0">
+                <a:latin typeface="Times New Roman" panose="02020603050405020304" pitchFamily="18" charset="0"/>
+                <a:cs typeface="Times New Roman" panose="02020603050405020304" pitchFamily="18" charset="0"/>
+              </a:rPr>
+              <a:t>0</a:t>
+            </a:r>
+            <a:endParaRPr lang="en-US" dirty="0"/>
+          </a:p>
+        </p:txBody>
+      </p:sp>
+      <p:sp>
+        <p:nvSpPr>
+          <p:cNvPr id="16" name="TextBox 15">
+            <a:extLst>
+              <a:ext uri="{FF2B5EF4-FFF2-40B4-BE49-F238E27FC236}">
+                <a16:creationId xmlns:a16="http://schemas.microsoft.com/office/drawing/2014/main" id="{5843C2C1-B535-8768-26C3-BF3BA378E7F1}"/>
+              </a:ext>
+            </a:extLst>
+          </p:cNvPr>
+          <p:cNvSpPr txBox="1"/>
+          <p:nvPr/>
+        </p:nvSpPr>
+        <p:spPr>
+          <a:xfrm>
+            <a:off x="6500709" y="5077120"/>
+            <a:ext cx="303389" cy="369332"/>
+          </a:xfrm>
+          <a:prstGeom prst="rect">
+            <a:avLst/>
+          </a:prstGeom>
+          <a:noFill/>
+        </p:spPr>
+        <p:txBody>
+          <a:bodyPr wrap="square">
+            <a:spAutoFit/>
+          </a:bodyPr>
+          <a:lstStyle/>
+          <a:p>
+            <a:r>
+              <a:rPr lang="en-US" dirty="0">
+                <a:latin typeface="Times New Roman" panose="02020603050405020304" pitchFamily="18" charset="0"/>
+                <a:cs typeface="Times New Roman" panose="02020603050405020304" pitchFamily="18" charset="0"/>
+              </a:rPr>
+              <a:t>0</a:t>
+            </a:r>
+            <a:endParaRPr lang="en-US" dirty="0"/>
+          </a:p>
+        </p:txBody>
+      </p:sp>
+      <p:sp>
+        <p:nvSpPr>
+          <p:cNvPr id="18" name="TextBox 17">
+            <a:extLst>
+              <a:ext uri="{FF2B5EF4-FFF2-40B4-BE49-F238E27FC236}">
+                <a16:creationId xmlns:a16="http://schemas.microsoft.com/office/drawing/2014/main" id="{A4E9B26D-F4D2-05C4-07D6-2590A0BA0A8C}"/>
+              </a:ext>
+            </a:extLst>
+          </p:cNvPr>
+          <p:cNvSpPr txBox="1"/>
+          <p:nvPr/>
+        </p:nvSpPr>
+        <p:spPr>
+          <a:xfrm>
+            <a:off x="4558115" y="5899060"/>
+            <a:ext cx="303389" cy="369332"/>
+          </a:xfrm>
+          <a:prstGeom prst="rect">
+            <a:avLst/>
+          </a:prstGeom>
+          <a:noFill/>
+        </p:spPr>
+        <p:txBody>
+          <a:bodyPr wrap="square">
+            <a:spAutoFit/>
+          </a:bodyPr>
+          <a:lstStyle/>
+          <a:p>
+            <a:r>
+              <a:rPr lang="en-US" dirty="0">
+                <a:latin typeface="Times New Roman" panose="02020603050405020304" pitchFamily="18" charset="0"/>
+                <a:cs typeface="Times New Roman" panose="02020603050405020304" pitchFamily="18" charset="0"/>
+              </a:rPr>
+              <a:t>0</a:t>
+            </a:r>
+            <a:endParaRPr lang="en-US" dirty="0"/>
           </a:p>
         </p:txBody>
       </p:sp>
@@ -3796,10 +3952,10 @@
       </p:grpSpPr>
       <p:pic>
         <p:nvPicPr>
-          <p:cNvPr id="14" name="Picture 13" descr="A diagram of seaweeds and seaweeds&#10;&#10;Description automatically generated with medium confidence">
-            <a:extLst>
-              <a:ext uri="{FF2B5EF4-FFF2-40B4-BE49-F238E27FC236}">
-                <a16:creationId xmlns:a16="http://schemas.microsoft.com/office/drawing/2014/main" id="{39922A04-8B1D-7EF0-9E02-3EEFA36F739A}"/>
+          <p:cNvPr id="8" name="Picture 7" descr="A diagram of seaweeds and species&#10;&#10;Description automatically generated with medium confidence">
+            <a:extLst>
+              <a:ext uri="{FF2B5EF4-FFF2-40B4-BE49-F238E27FC236}">
+                <a16:creationId xmlns:a16="http://schemas.microsoft.com/office/drawing/2014/main" id="{02701E54-F0A1-0873-CACC-E2E262E0BA90}"/>
               </a:ext>
             </a:extLst>
           </p:cNvPr>
@@ -4028,7 +4184,7 @@
         </p:nvSpPr>
         <p:spPr>
           <a:xfrm>
-            <a:off x="3836457" y="5814194"/>
+            <a:off x="3690153" y="3429000"/>
             <a:ext cx="300082" cy="369332"/>
           </a:xfrm>
           <a:prstGeom prst="rect">
@@ -4063,7 +4219,7 @@
         </p:nvSpPr>
         <p:spPr>
           <a:xfrm>
-            <a:off x="4801437" y="5814194"/>
+            <a:off x="4655133" y="3429000"/>
             <a:ext cx="300082" cy="369332"/>
           </a:xfrm>
           <a:prstGeom prst="rect">
@@ -4116,10 +4272,10 @@
       </p:grpSpPr>
       <p:pic>
         <p:nvPicPr>
-          <p:cNvPr id="8" name="Picture 7" descr="A graph of a number of species&#10;&#10;Description automatically generated with medium confidence">
-            <a:extLst>
-              <a:ext uri="{FF2B5EF4-FFF2-40B4-BE49-F238E27FC236}">
-                <a16:creationId xmlns:a16="http://schemas.microsoft.com/office/drawing/2014/main" id="{35982E2A-6F87-7E05-5B29-F709CDAE208F}"/>
+          <p:cNvPr id="5" name="Picture 4" descr="A diagram of a number of different species&#10;&#10;Description automatically generated with medium confidence">
+            <a:extLst>
+              <a:ext uri="{FF2B5EF4-FFF2-40B4-BE49-F238E27FC236}">
+                <a16:creationId xmlns:a16="http://schemas.microsoft.com/office/drawing/2014/main" id="{1601A700-F386-6CF5-1652-BE213EDD6CCB}"/>
               </a:ext>
             </a:extLst>
           </p:cNvPr>
@@ -4136,7 +4292,7 @@
         </p:blipFill>
         <p:spPr>
           <a:xfrm>
-            <a:off x="2934987" y="-26034"/>
+            <a:off x="2937129" y="-13512"/>
             <a:ext cx="6000750" cy="6858000"/>
           </a:xfrm>
           <a:prstGeom prst="rect">
@@ -4348,7 +4504,7 @@
         </p:nvSpPr>
         <p:spPr>
           <a:xfrm>
-            <a:off x="3816579" y="5814194"/>
+            <a:off x="3780003" y="3244334"/>
             <a:ext cx="300082" cy="369332"/>
           </a:xfrm>
           <a:prstGeom prst="rect">
@@ -4383,7 +4539,7 @@
         </p:nvSpPr>
         <p:spPr>
           <a:xfrm>
-            <a:off x="4781559" y="5814194"/>
+            <a:off x="4744983" y="3244334"/>
             <a:ext cx="300082" cy="369332"/>
           </a:xfrm>
           <a:prstGeom prst="rect">
